--- a/translations/en-us/advanced/Gyro.pptx
+++ b/translations/en-us/advanced/Gyro.pptx
@@ -223,7 +223,7 @@
           <a:p>
             <a:fld id="{E354B44E-40A3-0E46-B16A-9BF1250A248B}" type="datetimeFigureOut">
               <a:rPr lang="en-US" smtClean="0"/>
-              <a:t>11/15/15</a:t>
+              <a:t>7/19/16</a:t>
             </a:fld>
             <a:endParaRPr lang="en-US"/>
           </a:p>
@@ -389,7 +389,7 @@
           <a:p>
             <a:fld id="{C86AD16C-2DB4-6642-BAD4-9ED973A087A0}" type="datetimeFigureOut">
               <a:rPr lang="en-US" smtClean="0"/>
-              <a:t>11/15/15</a:t>
+              <a:t>7/19/16</a:t>
             </a:fld>
             <a:endParaRPr lang="en-US"/>
           </a:p>
@@ -1026,9 +1026,9 @@
           <a:bodyPr/>
           <a:lstStyle/>
           <a:p>
-            <a:fld id="{DC6E4B6F-225E-F14D-83D1-AC1C1F8690B9}" type="datetime1">
+            <a:fld id="{1BE04346-BDF2-5D45-8B07-69F3E5573DE7}" type="datetime1">
               <a:rPr lang="en-US" smtClean="0"/>
-              <a:t>11/15/15</a:t>
+              <a:t>7/19/16</a:t>
             </a:fld>
             <a:endParaRPr lang="en-US"/>
           </a:p>
@@ -1050,8 +1050,8 @@
           <a:lstStyle/>
           <a:p>
             <a:r>
-              <a:rPr lang="en-US" smtClean="0"/>
-              <a:t>© 2015 EV3Lessons.com, Last edit 4/5/2015</a:t>
+              <a:rPr lang="sk-SK" smtClean="0"/>
+              <a:t>© 2016 EV3Lessons.com, Last edit 7/19/2016</a:t>
             </a:r>
             <a:endParaRPr lang="en-US"/>
           </a:p>
@@ -1579,7 +1579,7 @@
           <a:noFill/>
           <a:extLst>
             <a:ext uri="{909E8E84-426E-40dd-AFC4-6F175D3DCCD1}">
-              <a14:hiddenFill xmlns:a14="http://schemas.microsoft.com/office/drawing/2010/main" xmlns="">
+              <a14:hiddenFill xmlns="" xmlns:a14="http://schemas.microsoft.com/office/drawing/2010/main">
                 <a:solidFill>
                   <a:srgbClr val="FFFFFF"/>
                 </a:solidFill>
@@ -1623,288 +1623,6 @@
           </a:fontRef>
         </p:style>
       </p:cxnSp>
-      <p:pic>
-        <p:nvPicPr>
-          <p:cNvPr id="12" name="Picture 11"/>
-          <p:cNvPicPr>
-            <a:picLocks noChangeAspect="1"/>
-          </p:cNvPicPr>
-          <p:nvPr/>
-        </p:nvPicPr>
-        <p:blipFill>
-          <a:blip r:embed="rId3">
-            <a:extLst>
-              <a:ext uri="{28A0092B-C50C-407E-A947-70E740481C1C}">
-                <a14:useLocalDpi xmlns:a14="http://schemas.microsoft.com/office/drawing/2010/main" val="0"/>
-              </a:ext>
-            </a:extLst>
-          </a:blip>
-          <a:stretch>
-            <a:fillRect/>
-          </a:stretch>
-        </p:blipFill>
-        <p:spPr>
-          <a:xfrm>
-            <a:off x="284163" y="4948514"/>
-            <a:ext cx="1265237" cy="1210410"/>
-          </a:xfrm>
-          <a:prstGeom prst="rect">
-            <a:avLst/>
-          </a:prstGeom>
-        </p:spPr>
-      </p:pic>
-      <p:sp>
-        <p:nvSpPr>
-          <p:cNvPr id="18" name="Subtitle 3"/>
-          <p:cNvSpPr txBox="1">
-            <a:spLocks/>
-          </p:cNvSpPr>
-          <p:nvPr/>
-        </p:nvSpPr>
-        <p:spPr>
-          <a:xfrm>
-            <a:off x="1549400" y="5829838"/>
-            <a:ext cx="3749229" cy="484094"/>
-          </a:xfrm>
-          <a:prstGeom prst="rect">
-            <a:avLst/>
-          </a:prstGeom>
-        </p:spPr>
-        <p:txBody>
-          <a:bodyPr vert="horz" lIns="91440" tIns="45720" rIns="91440" bIns="45720" rtlCol="0">
-            <a:normAutofit/>
-          </a:bodyPr>
-          <a:lstStyle>
-            <a:lvl1pPr marL="0" indent="0" algn="l" defTabSz="914400" rtl="0" eaLnBrk="1" latinLnBrk="0" hangingPunct="1">
-              <a:lnSpc>
-                <a:spcPct val="100000"/>
-              </a:lnSpc>
-              <a:spcBef>
-                <a:spcPts val="0"/>
-              </a:spcBef>
-              <a:buClr>
-                <a:schemeClr val="bg1">
-                  <a:lumMod val="65000"/>
-                </a:schemeClr>
-              </a:buClr>
-              <a:buSzPct val="90000"/>
-              <a:buFont typeface="Wingdings" pitchFamily="2" charset="2"/>
-              <a:buNone/>
-              <a:defRPr sz="1800" kern="1200">
-                <a:solidFill>
-                  <a:schemeClr val="bg1"/>
-                </a:solidFill>
-                <a:latin typeface="+mn-lt"/>
-                <a:ea typeface="+mn-ea"/>
-                <a:cs typeface="+mn-cs"/>
-              </a:defRPr>
-            </a:lvl1pPr>
-            <a:lvl2pPr marL="457200" indent="0" algn="ctr" defTabSz="914400" rtl="0" eaLnBrk="1" latinLnBrk="0" hangingPunct="1">
-              <a:spcBef>
-                <a:spcPts val="600"/>
-              </a:spcBef>
-              <a:buClr>
-                <a:schemeClr val="tx1">
-                  <a:lumMod val="75000"/>
-                  <a:lumOff val="25000"/>
-                </a:schemeClr>
-              </a:buClr>
-              <a:buSzPct val="90000"/>
-              <a:buFont typeface="Wingdings" pitchFamily="2" charset="2"/>
-              <a:buNone/>
-              <a:defRPr sz="2200" kern="1200">
-                <a:solidFill>
-                  <a:schemeClr val="tx1">
-                    <a:tint val="75000"/>
-                  </a:schemeClr>
-                </a:solidFill>
-                <a:latin typeface="+mn-lt"/>
-                <a:ea typeface="+mn-ea"/>
-                <a:cs typeface="+mn-cs"/>
-              </a:defRPr>
-            </a:lvl2pPr>
-            <a:lvl3pPr marL="914400" indent="0" algn="ctr" defTabSz="914400" rtl="0" eaLnBrk="1" latinLnBrk="0" hangingPunct="1">
-              <a:spcBef>
-                <a:spcPts val="600"/>
-              </a:spcBef>
-              <a:buClr>
-                <a:schemeClr val="bg1">
-                  <a:lumMod val="65000"/>
-                </a:schemeClr>
-              </a:buClr>
-              <a:buSzPct val="90000"/>
-              <a:buFont typeface="Wingdings" pitchFamily="2" charset="2"/>
-              <a:buNone/>
-              <a:defRPr sz="2000" kern="1200">
-                <a:solidFill>
-                  <a:schemeClr val="tx1">
-                    <a:tint val="75000"/>
-                  </a:schemeClr>
-                </a:solidFill>
-                <a:latin typeface="+mn-lt"/>
-                <a:ea typeface="+mn-ea"/>
-                <a:cs typeface="+mn-cs"/>
-              </a:defRPr>
-            </a:lvl3pPr>
-            <a:lvl4pPr marL="1371600" indent="0" algn="ctr" defTabSz="914400" rtl="0" eaLnBrk="1" latinLnBrk="0" hangingPunct="1">
-              <a:spcBef>
-                <a:spcPts val="600"/>
-              </a:spcBef>
-              <a:buClr>
-                <a:schemeClr val="tx1">
-                  <a:lumMod val="75000"/>
-                  <a:lumOff val="25000"/>
-                </a:schemeClr>
-              </a:buClr>
-              <a:buSzPct val="90000"/>
-              <a:buFont typeface="Wingdings" pitchFamily="2" charset="2"/>
-              <a:buNone/>
-              <a:defRPr sz="1800" kern="1200">
-                <a:solidFill>
-                  <a:schemeClr val="tx1">
-                    <a:tint val="75000"/>
-                  </a:schemeClr>
-                </a:solidFill>
-                <a:latin typeface="+mn-lt"/>
-                <a:ea typeface="+mn-ea"/>
-                <a:cs typeface="+mn-cs"/>
-              </a:defRPr>
-            </a:lvl4pPr>
-            <a:lvl5pPr marL="1828800" indent="0" algn="ctr" defTabSz="914400" rtl="0" eaLnBrk="1" latinLnBrk="0" hangingPunct="1">
-              <a:spcBef>
-                <a:spcPts val="600"/>
-              </a:spcBef>
-              <a:buClr>
-                <a:schemeClr val="bg1">
-                  <a:lumMod val="65000"/>
-                </a:schemeClr>
-              </a:buClr>
-              <a:buSzPct val="90000"/>
-              <a:buFont typeface="Wingdings" pitchFamily="2" charset="2"/>
-              <a:buNone/>
-              <a:defRPr sz="1800" kern="1200">
-                <a:solidFill>
-                  <a:schemeClr val="tx1">
-                    <a:tint val="75000"/>
-                  </a:schemeClr>
-                </a:solidFill>
-                <a:latin typeface="+mn-lt"/>
-                <a:ea typeface="+mn-ea"/>
-                <a:cs typeface="+mn-cs"/>
-              </a:defRPr>
-            </a:lvl5pPr>
-            <a:lvl6pPr marL="2286000" indent="0" algn="ctr" defTabSz="914400" rtl="0" eaLnBrk="1" latinLnBrk="0" hangingPunct="1">
-              <a:spcBef>
-                <a:spcPts val="600"/>
-              </a:spcBef>
-              <a:buClr>
-                <a:schemeClr val="tx1">
-                  <a:lumMod val="75000"/>
-                  <a:lumOff val="25000"/>
-                </a:schemeClr>
-              </a:buClr>
-              <a:buSzPct val="90000"/>
-              <a:buFont typeface="Wingdings" pitchFamily="2" charset="2"/>
-              <a:buNone/>
-              <a:defRPr lang="en-US" sz="1800" kern="1200">
-                <a:solidFill>
-                  <a:schemeClr val="tx1">
-                    <a:tint val="75000"/>
-                  </a:schemeClr>
-                </a:solidFill>
-                <a:latin typeface="+mn-lt"/>
-                <a:ea typeface="+mn-ea"/>
-                <a:cs typeface="+mn-cs"/>
-              </a:defRPr>
-            </a:lvl6pPr>
-            <a:lvl7pPr marL="2743200" indent="0" algn="ctr" defTabSz="914400" rtl="0" eaLnBrk="1" latinLnBrk="0" hangingPunct="1">
-              <a:spcBef>
-                <a:spcPts val="600"/>
-              </a:spcBef>
-              <a:buClr>
-                <a:schemeClr val="bg1">
-                  <a:lumMod val="65000"/>
-                </a:schemeClr>
-              </a:buClr>
-              <a:buSzPct val="90000"/>
-              <a:buFont typeface="Wingdings" pitchFamily="2" charset="2"/>
-              <a:buNone/>
-              <a:defRPr lang="en-US" sz="1800" kern="1200">
-                <a:solidFill>
-                  <a:schemeClr val="tx1">
-                    <a:tint val="75000"/>
-                  </a:schemeClr>
-                </a:solidFill>
-                <a:latin typeface="+mn-lt"/>
-                <a:ea typeface="+mn-ea"/>
-                <a:cs typeface="+mn-cs"/>
-              </a:defRPr>
-            </a:lvl7pPr>
-            <a:lvl8pPr marL="3200400" indent="0" algn="ctr" defTabSz="914400" rtl="0" eaLnBrk="1" latinLnBrk="0" hangingPunct="1">
-              <a:spcBef>
-                <a:spcPts val="600"/>
-              </a:spcBef>
-              <a:buClr>
-                <a:schemeClr val="tx1">
-                  <a:lumMod val="75000"/>
-                  <a:lumOff val="25000"/>
-                </a:schemeClr>
-              </a:buClr>
-              <a:buSzPct val="90000"/>
-              <a:buFont typeface="Wingdings" pitchFamily="2" charset="2"/>
-              <a:buNone/>
-              <a:defRPr lang="en-US" sz="1800" kern="1200">
-                <a:solidFill>
-                  <a:schemeClr val="tx1">
-                    <a:tint val="75000"/>
-                  </a:schemeClr>
-                </a:solidFill>
-                <a:latin typeface="+mn-lt"/>
-                <a:ea typeface="+mn-ea"/>
-                <a:cs typeface="+mn-cs"/>
-              </a:defRPr>
-            </a:lvl8pPr>
-            <a:lvl9pPr marL="3657600" indent="0" algn="ctr" defTabSz="914400" rtl="0" eaLnBrk="1" latinLnBrk="0" hangingPunct="1">
-              <a:spcBef>
-                <a:spcPts val="600"/>
-              </a:spcBef>
-              <a:buClr>
-                <a:schemeClr val="bg1">
-                  <a:lumMod val="65000"/>
-                </a:schemeClr>
-              </a:buClr>
-              <a:buSzPct val="90000"/>
-              <a:buFont typeface="Wingdings" pitchFamily="2" charset="2"/>
-              <a:buNone/>
-              <a:defRPr lang="en-US" sz="1800" kern="1200">
-                <a:solidFill>
-                  <a:schemeClr val="tx1">
-                    <a:tint val="75000"/>
-                  </a:schemeClr>
-                </a:solidFill>
-                <a:latin typeface="+mn-lt"/>
-                <a:ea typeface="+mn-ea"/>
-                <a:cs typeface="+mn-cs"/>
-              </a:defRPr>
-            </a:lvl9pPr>
-          </a:lstStyle>
-          <a:p>
-            <a:r>
-              <a:rPr lang="en-US" dirty="0" smtClean="0">
-                <a:solidFill>
-                  <a:schemeClr val="tx1"/>
-                </a:solidFill>
-              </a:rPr>
-              <a:t>By Droids Robotics</a:t>
-            </a:r>
-            <a:endParaRPr lang="en-US" dirty="0">
-              <a:solidFill>
-                <a:schemeClr val="tx1"/>
-              </a:solidFill>
-            </a:endParaRPr>
-          </a:p>
-        </p:txBody>
-      </p:sp>
     </p:spTree>
     <p:extLst>
       <p:ext uri="{BB962C8B-B14F-4D97-AF65-F5344CB8AC3E}">
@@ -2013,9 +1731,9 @@
           <a:bodyPr/>
           <a:lstStyle/>
           <a:p>
-            <a:fld id="{D1750FED-A04B-6F4D-9C6E-3A486A76FBEE}" type="datetime1">
+            <a:fld id="{8E02A067-0993-F84B-9D1B-35C5DF055948}" type="datetime1">
               <a:rPr lang="en-US" smtClean="0"/>
-              <a:t>11/15/15</a:t>
+              <a:t>7/19/16</a:t>
             </a:fld>
             <a:endParaRPr lang="en-US"/>
           </a:p>
@@ -2037,8 +1755,8 @@
           <a:lstStyle/>
           <a:p>
             <a:r>
-              <a:rPr lang="en-US" smtClean="0"/>
-              <a:t>© 2015 EV3Lessons.com, Last edit 4/5/2015</a:t>
+              <a:rPr lang="sk-SK" smtClean="0"/>
+              <a:t>© 2016 EV3Lessons.com, Last edit 7/19/2016</a:t>
             </a:r>
             <a:endParaRPr lang="en-US"/>
           </a:p>
@@ -2476,9 +2194,9 @@
           <a:bodyPr/>
           <a:lstStyle/>
           <a:p>
-            <a:fld id="{2F70E427-7E29-1547-BB8C-A6DF6441B0EC}" type="datetime1">
+            <a:fld id="{F78453A3-2385-274D-B1A2-727D3BCEF8F7}" type="datetime1">
               <a:rPr lang="en-US" smtClean="0"/>
-              <a:t>11/15/15</a:t>
+              <a:t>7/19/16</a:t>
             </a:fld>
             <a:endParaRPr lang="en-US" dirty="0"/>
           </a:p>
@@ -2500,8 +2218,8 @@
           <a:lstStyle/>
           <a:p>
             <a:r>
-              <a:rPr lang="en-US" smtClean="0"/>
-              <a:t>© 2015 EV3Lessons.com, Last edit 4/5/2015</a:t>
+              <a:rPr lang="sk-SK" smtClean="0"/>
+              <a:t>© 2016 EV3Lessons.com, Last edit 7/19/2016</a:t>
             </a:r>
             <a:endParaRPr lang="en-US" dirty="0"/>
           </a:p>
@@ -2941,9 +2659,9 @@
           <a:bodyPr/>
           <a:lstStyle/>
           <a:p>
-            <a:fld id="{45AA1268-9F5A-7547-9B0A-706F80786662}" type="datetime1">
+            <a:fld id="{C2A53B15-3202-AC45-82F2-FB34DA4213B3}" type="datetime1">
               <a:rPr lang="en-US" smtClean="0"/>
-              <a:t>11/15/15</a:t>
+              <a:t>7/19/16</a:t>
             </a:fld>
             <a:endParaRPr lang="en-US"/>
           </a:p>
@@ -3666,9 +3384,9 @@
           <a:bodyPr/>
           <a:lstStyle/>
           <a:p>
-            <a:fld id="{2FC56BBD-386D-5F47-8097-A8AC05413940}" type="datetime1">
+            <a:fld id="{4E4996D0-A51A-BA4F-9731-E7EF811BFEE2}" type="datetime1">
               <a:rPr lang="en-US" smtClean="0"/>
-              <a:t>11/15/15</a:t>
+              <a:t>7/19/16</a:t>
             </a:fld>
             <a:endParaRPr lang="en-US"/>
           </a:p>
@@ -3690,8 +3408,8 @@
           <a:lstStyle/>
           <a:p>
             <a:r>
-              <a:rPr lang="en-US" smtClean="0"/>
-              <a:t>© 2015 EV3Lessons.com, Last edit 4/5/2015</a:t>
+              <a:rPr lang="sk-SK" smtClean="0"/>
+              <a:t>© 2016 EV3Lessons.com, Last edit 7/19/2016</a:t>
             </a:r>
             <a:endParaRPr lang="en-US"/>
           </a:p>
@@ -3948,9 +3666,9 @@
           <a:bodyPr/>
           <a:lstStyle/>
           <a:p>
-            <a:fld id="{E5F25245-C7EE-334C-98B3-031820D169F4}" type="datetime1">
+            <a:fld id="{ABF229D2-2609-434B-A6CC-2C83588BA60B}" type="datetime1">
               <a:rPr lang="en-US" smtClean="0"/>
-              <a:t>11/15/15</a:t>
+              <a:t>7/19/16</a:t>
             </a:fld>
             <a:endParaRPr lang="en-US"/>
           </a:p>
@@ -3972,8 +3690,8 @@
           <a:lstStyle/>
           <a:p>
             <a:r>
-              <a:rPr lang="en-US" smtClean="0"/>
-              <a:t>© 2015 EV3Lessons.com, Last edit 4/5/2015</a:t>
+              <a:rPr lang="sk-SK" smtClean="0"/>
+              <a:t>© 2016 EV3Lessons.com, Last edit 7/19/2016</a:t>
             </a:r>
             <a:endParaRPr lang="en-US"/>
           </a:p>
@@ -4268,9 +3986,9 @@
           <a:bodyPr/>
           <a:lstStyle/>
           <a:p>
-            <a:fld id="{5EC5DB1B-8ED0-A84C-9BD5-397C9ED9D90E}" type="datetime1">
+            <a:fld id="{D9856964-FF25-1545-9D1E-1985E7B0109A}" type="datetime1">
               <a:rPr lang="en-US" smtClean="0"/>
-              <a:t>11/15/15</a:t>
+              <a:t>7/19/16</a:t>
             </a:fld>
             <a:endParaRPr lang="en-US"/>
           </a:p>
@@ -4292,8 +4010,8 @@
           <a:lstStyle/>
           <a:p>
             <a:r>
-              <a:rPr lang="en-US" smtClean="0"/>
-              <a:t>© 2015 EV3Lessons.com, Last edit 4/5/2015</a:t>
+              <a:rPr lang="sk-SK" smtClean="0"/>
+              <a:t>© 2016 EV3Lessons.com, Last edit 7/19/2016</a:t>
             </a:r>
             <a:endParaRPr lang="en-US"/>
           </a:p>
@@ -4497,9 +4215,9 @@
           <a:bodyPr/>
           <a:lstStyle/>
           <a:p>
-            <a:fld id="{A14D7A26-664D-BD47-82C4-D0A9CCF14E64}" type="datetime1">
+            <a:fld id="{A8DC17B2-D549-3441-B82D-D9EE2520C774}" type="datetime1">
               <a:rPr lang="en-US" smtClean="0"/>
-              <a:t>11/15/15</a:t>
+              <a:t>7/19/16</a:t>
             </a:fld>
             <a:endParaRPr lang="en-US"/>
           </a:p>
@@ -4521,8 +4239,8 @@
           <a:lstStyle/>
           <a:p>
             <a:r>
-              <a:rPr lang="en-US" smtClean="0"/>
-              <a:t>© 2015 EV3Lessons.com, Last edit 4/5/2015</a:t>
+              <a:rPr lang="sk-SK" smtClean="0"/>
+              <a:t>© 2016 EV3Lessons.com, Last edit 7/19/2016</a:t>
             </a:r>
             <a:endParaRPr lang="en-US"/>
           </a:p>
@@ -4784,9 +4502,9 @@
           <a:bodyPr/>
           <a:lstStyle/>
           <a:p>
-            <a:fld id="{79190F03-9C25-0B4E-A913-2AACF117E21C}" type="datetime1">
+            <a:fld id="{C770CB02-5E54-5647-AF7A-C13B382E6F29}" type="datetime1">
               <a:rPr lang="en-US" smtClean="0"/>
-              <a:t>11/15/15</a:t>
+              <a:t>7/19/16</a:t>
             </a:fld>
             <a:endParaRPr lang="en-US" dirty="0"/>
           </a:p>
@@ -4808,8 +4526,8 @@
           <a:lstStyle/>
           <a:p>
             <a:r>
-              <a:rPr lang="en-US" smtClean="0"/>
-              <a:t>© 2015 EV3Lessons.com, Last edit 4/5/2015</a:t>
+              <a:rPr lang="sk-SK" smtClean="0"/>
+              <a:t>© 2016 EV3Lessons.com, Last edit 7/19/2016</a:t>
             </a:r>
             <a:endParaRPr lang="en-US" dirty="0"/>
           </a:p>
@@ -5028,9 +4746,9 @@
             </a:lvl1pPr>
           </a:lstStyle>
           <a:p>
-            <a:fld id="{DE93FF50-F4CE-C843-AC1F-3079D72B9CFC}" type="datetime1">
+            <a:fld id="{F95F24AF-7F13-E64A-9C60-D1F34B675635}" type="datetime1">
               <a:rPr lang="en-US" smtClean="0"/>
-              <a:t>11/15/15</a:t>
+              <a:t>7/19/16</a:t>
             </a:fld>
             <a:endParaRPr lang="en-US" dirty="0"/>
           </a:p>
@@ -5070,8 +4788,8 @@
           </a:lstStyle>
           <a:p>
             <a:r>
-              <a:rPr lang="en-US" smtClean="0"/>
-              <a:t>© 2015 EV3Lessons.com, Last edit 4/5/2015</a:t>
+              <a:rPr lang="sk-SK" smtClean="0"/>
+              <a:t>© 2016 EV3Lessons.com, Last edit 7/19/2016</a:t>
             </a:r>
             <a:endParaRPr lang="en-US" dirty="0"/>
           </a:p>
@@ -5184,7 +4902,7 @@
       </p:par>
     </p:tnLst>
   </p:timing>
-  <p:hf hdr="0" dt="0"/>
+  <p:hf sldNum="0" hdr="0" dt="0"/>
   <p:txStyles>
     <p:titleStyle>
       <a:lvl1pPr marL="231775" indent="3175" algn="l" defTabSz="914400" rtl="0" eaLnBrk="1" latinLnBrk="0" hangingPunct="1">
@@ -5588,52 +5306,47 @@
           <a:bodyPr/>
           <a:lstStyle/>
           <a:p>
+            <a:r>
+              <a:rPr lang="en-US" dirty="0" smtClean="0"/>
+              <a:t>By Sanjay and Arvind </a:t>
+            </a:r>
+            <a:r>
+              <a:rPr lang="en-US" dirty="0" err="1" smtClean="0"/>
+              <a:t>Seshan</a:t>
+            </a:r>
             <a:endParaRPr lang="en-US" dirty="0"/>
           </a:p>
         </p:txBody>
       </p:sp>
-      <p:sp>
-        <p:nvSpPr>
-          <p:cNvPr id="15" name="TextBox 14"/>
-          <p:cNvSpPr txBox="1"/>
+      <p:pic>
+        <p:nvPicPr>
+          <p:cNvPr id="5" name="Picture 4"/>
+          <p:cNvPicPr>
+            <a:picLocks noChangeAspect="1"/>
+          </p:cNvPicPr>
           <p:nvPr/>
-        </p:nvSpPr>
+        </p:nvPicPr>
+        <p:blipFill rotWithShape="1">
+          <a:blip r:embed="rId3">
+            <a:extLst>
+              <a:ext uri="{28A0092B-C50C-407E-A947-70E740481C1C}">
+                <a14:useLocalDpi xmlns:a14="http://schemas.microsoft.com/office/drawing/2010/main" val="0"/>
+              </a:ext>
+            </a:extLst>
+          </a:blip>
+          <a:srcRect l="4523" t="17619" r="3095" b="25000"/>
+          <a:stretch/>
+        </p:blipFill>
         <p:spPr>
           <a:xfrm>
-            <a:off x="3311910" y="5820936"/>
-            <a:ext cx="3546088" cy="369332"/>
+            <a:off x="3459013" y="4560129"/>
+            <a:ext cx="2225974" cy="1382629"/>
           </a:xfrm>
           <a:prstGeom prst="rect">
             <a:avLst/>
           </a:prstGeom>
-          <a:noFill/>
         </p:spPr>
-        <p:txBody>
-          <a:bodyPr wrap="square" rtlCol="0">
-            <a:spAutoFit/>
-          </a:bodyPr>
-          <a:lstStyle/>
-          <a:p>
-            <a:r>
-              <a:rPr lang="en-US" dirty="0"/>
-              <a:t>w</a:t>
-            </a:r>
-            <a:r>
-              <a:rPr lang="en-US" smtClean="0"/>
-              <a:t>ith </a:t>
-            </a:r>
-            <a:r>
-              <a:rPr lang="en-US" dirty="0" smtClean="0"/>
-              <a:t>code from Hoosier </a:t>
-            </a:r>
-            <a:r>
-              <a:rPr lang="en-US" dirty="0" err="1" smtClean="0"/>
-              <a:t>Girlz</a:t>
-            </a:r>
-            <a:endParaRPr lang="en-US" dirty="0"/>
-          </a:p>
-        </p:txBody>
-      </p:sp>
+      </p:pic>
     </p:spTree>
     <p:extLst>
       <p:ext uri="{BB962C8B-B14F-4D97-AF65-F5344CB8AC3E}">
@@ -5687,8 +5400,8 @@
           <a:lstStyle/>
           <a:p>
             <a:r>
-              <a:rPr lang="en-US" smtClean="0"/>
-              <a:t>© 2015 EV3Lessons.com, Last edit 4/5/2015</a:t>
+              <a:rPr lang="sk-SK" smtClean="0"/>
+              <a:t>© 2016 EV3Lessons.com, Last edit 7/19/2016</a:t>
             </a:r>
             <a:endParaRPr lang="en-US"/>
           </a:p>
@@ -5823,29 +5536,6 @@
               <a:t>This version of the calibration leaves the gyro in angle mode. This is probably the most common way to use the gyro. This code takes about 0.1sec to run.</a:t>
             </a:r>
             <a:endParaRPr lang="en-US" dirty="0"/>
-          </a:p>
-        </p:txBody>
-      </p:sp>
-      <p:sp>
-        <p:nvSpPr>
-          <p:cNvPr id="3" name="Slide Number Placeholder 2"/>
-          <p:cNvSpPr>
-            <a:spLocks noGrp="1"/>
-          </p:cNvSpPr>
-          <p:nvPr>
-            <p:ph type="sldNum" sz="quarter" idx="12"/>
-          </p:nvPr>
-        </p:nvSpPr>
-        <p:spPr/>
-        <p:txBody>
-          <a:bodyPr/>
-          <a:lstStyle/>
-          <a:p>
-            <a:fld id="{4382A7F7-08BF-4252-8141-63FB96055BBB}" type="slidenum">
-              <a:rPr lang="en-US" smtClean="0"/>
-              <a:t>10</a:t>
-            </a:fld>
-            <a:endParaRPr lang="en-US"/>
           </a:p>
         </p:txBody>
       </p:sp>
@@ -5895,8 +5585,8 @@
           <a:lstStyle/>
           <a:p>
             <a:r>
-              <a:rPr lang="en-US" smtClean="0"/>
-              <a:t>© 2015 EV3Lessons.com, Last edit 4/5/2015</a:t>
+              <a:rPr lang="sk-SK" smtClean="0"/>
+              <a:t>© 2016 EV3Lessons.com, Last edit 7/19/2016</a:t>
             </a:r>
             <a:endParaRPr lang="en-US"/>
           </a:p>
@@ -6050,29 +5740,6 @@
                 <a:srgbClr val="000000"/>
               </a:solidFill>
             </a:endParaRPr>
-          </a:p>
-        </p:txBody>
-      </p:sp>
-      <p:sp>
-        <p:nvSpPr>
-          <p:cNvPr id="3" name="Slide Number Placeholder 2"/>
-          <p:cNvSpPr>
-            <a:spLocks noGrp="1"/>
-          </p:cNvSpPr>
-          <p:nvPr>
-            <p:ph type="sldNum" sz="quarter" idx="12"/>
-          </p:nvPr>
-        </p:nvSpPr>
-        <p:spPr/>
-        <p:txBody>
-          <a:bodyPr/>
-          <a:lstStyle/>
-          <a:p>
-            <a:fld id="{4382A7F7-08BF-4252-8141-63FB96055BBB}" type="slidenum">
-              <a:rPr lang="en-US" smtClean="0"/>
-              <a:t>11</a:t>
-            </a:fld>
-            <a:endParaRPr lang="en-US"/>
           </a:p>
         </p:txBody>
       </p:sp>
@@ -6122,8 +5789,8 @@
           <a:lstStyle/>
           <a:p>
             <a:r>
-              <a:rPr lang="en-US" smtClean="0"/>
-              <a:t>© 2015 EV3Lessons.com, Last edit 4/5/2015</a:t>
+              <a:rPr lang="sk-SK" smtClean="0"/>
+              <a:t>© 2016 EV3Lessons.com, Last edit 7/19/2016</a:t>
             </a:r>
             <a:endParaRPr lang="en-US"/>
           </a:p>
@@ -7275,29 +6942,6 @@
               <a:rPr lang="it-IT" dirty="0" smtClean="0"/>
               <a:t>?)</a:t>
             </a:r>
-          </a:p>
-        </p:txBody>
-      </p:sp>
-      <p:sp>
-        <p:nvSpPr>
-          <p:cNvPr id="3" name="Slide Number Placeholder 2"/>
-          <p:cNvSpPr>
-            <a:spLocks noGrp="1"/>
-          </p:cNvSpPr>
-          <p:nvPr>
-            <p:ph type="sldNum" sz="quarter" idx="12"/>
-          </p:nvPr>
-        </p:nvSpPr>
-        <p:spPr/>
-        <p:txBody>
-          <a:bodyPr/>
-          <a:lstStyle/>
-          <a:p>
-            <a:fld id="{4382A7F7-08BF-4252-8141-63FB96055BBB}" type="slidenum">
-              <a:rPr lang="en-US" smtClean="0"/>
-              <a:t>12</a:t>
-            </a:fld>
-            <a:endParaRPr lang="en-US"/>
           </a:p>
         </p:txBody>
       </p:sp>
@@ -7347,7 +6991,7 @@
           <a:lstStyle/>
           <a:p>
             <a:r>
-              <a:rPr lang="en-US" smtClean="0"/>
+              <a:rPr lang="en-US" dirty="0" smtClean="0"/>
               <a:t>This tutorial was written by Sanjay </a:t>
             </a:r>
             <a:r>
@@ -7364,7 +7008,15 @@
             </a:r>
             <a:r>
               <a:rPr lang="en-US" dirty="0" smtClean="0"/>
-              <a:t> from Droids Robotics using code shared by Hoosier </a:t>
+              <a:t> </a:t>
+            </a:r>
+            <a:r>
+              <a:rPr lang="en-US" smtClean="0"/>
+              <a:t>and uses </a:t>
+            </a:r>
+            <a:r>
+              <a:rPr lang="en-US" dirty="0" smtClean="0"/>
+              <a:t>code shared by Hoosier </a:t>
             </a:r>
             <a:r>
               <a:rPr lang="en-US" dirty="0" err="1" smtClean="0"/>
@@ -7408,33 +7060,9 @@
           <a:lstStyle/>
           <a:p>
             <a:r>
-              <a:rPr lang="en-US" smtClean="0"/>
-              <a:t>© 2015 EV3Lessons.com, Last edit 4/5/2015</a:t>
-            </a:r>
-            <a:endParaRPr lang="en-US"/>
-          </a:p>
-        </p:txBody>
-      </p:sp>
-      <p:sp>
-        <p:nvSpPr>
-          <p:cNvPr id="8" name="Slide Number Placeholder 7"/>
-          <p:cNvSpPr>
-            <a:spLocks noGrp="1"/>
-          </p:cNvSpPr>
-          <p:nvPr>
-            <p:ph type="sldNum" sz="quarter" idx="12"/>
-          </p:nvPr>
-        </p:nvSpPr>
-        <p:spPr/>
-        <p:txBody>
-          <a:bodyPr/>
-          <a:lstStyle/>
-          <a:p>
-            <a:fld id="{4382A7F7-08BF-4252-8141-63FB96055BBB}" type="slidenum">
-              <a:rPr lang="en-US" smtClean="0"/>
-              <a:pPr/>
-              <a:t>13</a:t>
-            </a:fld>
+              <a:rPr lang="sk-SK" smtClean="0"/>
+              <a:t>© 2016 EV3Lessons.com, Last edit 7/19/2016</a:t>
+            </a:r>
             <a:endParaRPr lang="en-US"/>
           </a:p>
         </p:txBody>
@@ -7487,7 +7115,7 @@
           <a:effectLst/>
           <a:extLst>
             <a:ext uri="{91240B29-F687-4f45-9708-019B960494DF}">
-              <a14:hiddenLine xmlns:a14="http://schemas.microsoft.com/office/drawing/2010/main" xmlns="" w="9525">
+              <a14:hiddenLine xmlns="" xmlns:a14="http://schemas.microsoft.com/office/drawing/2010/main" w="9525">
                 <a:solidFill>
                   <a:schemeClr val="tx1"/>
                 </a:solidFill>
@@ -7497,7 +7125,7 @@
               </a14:hiddenLine>
             </a:ext>
             <a:ext uri="{AF507438-7753-43e0-B8FC-AC1667EBCBE1}">
-              <a14:hiddenEffects xmlns:a14="http://schemas.microsoft.com/office/drawing/2010/main" xmlns="">
+              <a14:hiddenEffects xmlns="" xmlns:a14="http://schemas.microsoft.com/office/drawing/2010/main">
                 <a:effectLst>
                   <a:outerShdw dist="35921" dir="2700000" algn="ctr" rotWithShape="0">
                     <a:schemeClr val="bg2"/>
@@ -7850,7 +7478,7 @@
           <a:noFill/>
           <a:extLst>
             <a:ext uri="{909E8E84-426E-40dd-AFC4-6F175D3DCCD1}">
-              <a14:hiddenFill xmlns:a14="http://schemas.microsoft.com/office/drawing/2010/main" xmlns="">
+              <a14:hiddenFill xmlns="" xmlns:a14="http://schemas.microsoft.com/office/drawing/2010/main">
                 <a:solidFill>
                   <a:srgbClr val="FFFFFF"/>
                 </a:solidFill>
@@ -8001,8 +7629,8 @@
           <a:lstStyle/>
           <a:p>
             <a:r>
-              <a:rPr lang="en-US" smtClean="0"/>
-              <a:t>© 2015 EV3Lessons.com, Last edit 4/5/2015</a:t>
+              <a:rPr lang="sk-SK" smtClean="0"/>
+              <a:t>© 2016 EV3Lessons.com, Last edit 7/19/2016</a:t>
             </a:r>
             <a:endParaRPr lang="en-US"/>
           </a:p>
@@ -8028,29 +7656,6 @@
               <a:t>Lesson Objectives</a:t>
             </a:r>
             <a:endParaRPr lang="en-US" dirty="0"/>
-          </a:p>
-        </p:txBody>
-      </p:sp>
-      <p:sp>
-        <p:nvSpPr>
-          <p:cNvPr id="4" name="Slide Number Placeholder 3"/>
-          <p:cNvSpPr>
-            <a:spLocks noGrp="1"/>
-          </p:cNvSpPr>
-          <p:nvPr>
-            <p:ph type="sldNum" sz="quarter" idx="12"/>
-          </p:nvPr>
-        </p:nvSpPr>
-        <p:spPr/>
-        <p:txBody>
-          <a:bodyPr/>
-          <a:lstStyle/>
-          <a:p>
-            <a:fld id="{4382A7F7-08BF-4252-8141-63FB96055BBB}" type="slidenum">
-              <a:rPr lang="en-US" smtClean="0"/>
-              <a:t>2</a:t>
-            </a:fld>
-            <a:endParaRPr lang="en-US"/>
           </a:p>
         </p:txBody>
       </p:sp>
@@ -8144,8 +7749,8 @@
           <a:lstStyle/>
           <a:p>
             <a:r>
-              <a:rPr lang="en-US" smtClean="0"/>
-              <a:t>© 2015 EV3Lessons.com, Last edit 4/5/2015</a:t>
+              <a:rPr lang="sk-SK" smtClean="0"/>
+              <a:t>© 2016 EV3Lessons.com, Last edit 7/19/2016</a:t>
             </a:r>
             <a:endParaRPr lang="en-US"/>
           </a:p>
@@ -8171,29 +7776,6 @@
               <a:t>What is the Gyro Sensor?</a:t>
             </a:r>
             <a:endParaRPr lang="en-US" dirty="0"/>
-          </a:p>
-        </p:txBody>
-      </p:sp>
-      <p:sp>
-        <p:nvSpPr>
-          <p:cNvPr id="4" name="Slide Number Placeholder 3"/>
-          <p:cNvSpPr>
-            <a:spLocks noGrp="1"/>
-          </p:cNvSpPr>
-          <p:nvPr>
-            <p:ph type="sldNum" sz="quarter" idx="12"/>
-          </p:nvPr>
-        </p:nvSpPr>
-        <p:spPr/>
-        <p:txBody>
-          <a:bodyPr/>
-          <a:lstStyle/>
-          <a:p>
-            <a:fld id="{4382A7F7-08BF-4252-8141-63FB96055BBB}" type="slidenum">
-              <a:rPr lang="en-US" smtClean="0"/>
-              <a:t>3</a:t>
-            </a:fld>
-            <a:endParaRPr lang="en-US"/>
           </a:p>
         </p:txBody>
       </p:sp>
@@ -8324,8 +7906,8 @@
           <a:lstStyle/>
           <a:p>
             <a:r>
-              <a:rPr lang="en-US" smtClean="0"/>
-              <a:t>© 2015 EV3Lessons.com, Last edit 4/5/2015</a:t>
+              <a:rPr lang="sk-SK" smtClean="0"/>
+              <a:t>© 2016 EV3Lessons.com, Last edit 7/19/2016</a:t>
             </a:r>
             <a:endParaRPr lang="en-US" dirty="0"/>
           </a:p>
@@ -8351,29 +7933,6 @@
               <a:t>Gyro Sensor Problems</a:t>
             </a:r>
             <a:endParaRPr lang="en-US" dirty="0"/>
-          </a:p>
-        </p:txBody>
-      </p:sp>
-      <p:sp>
-        <p:nvSpPr>
-          <p:cNvPr id="6" name="Slide Number Placeholder 5"/>
-          <p:cNvSpPr>
-            <a:spLocks noGrp="1"/>
-          </p:cNvSpPr>
-          <p:nvPr>
-            <p:ph type="sldNum" sz="quarter" idx="12"/>
-          </p:nvPr>
-        </p:nvSpPr>
-        <p:spPr/>
-        <p:txBody>
-          <a:bodyPr/>
-          <a:lstStyle/>
-          <a:p>
-            <a:fld id="{4382A7F7-08BF-4252-8141-63FB96055BBB}" type="slidenum">
-              <a:rPr lang="en-US" smtClean="0"/>
-              <a:t>4</a:t>
-            </a:fld>
-            <a:endParaRPr lang="en-US"/>
           </a:p>
         </p:txBody>
       </p:sp>
@@ -8484,8 +8043,8 @@
           <a:lstStyle/>
           <a:p>
             <a:r>
-              <a:rPr lang="en-US" smtClean="0"/>
-              <a:t>© 2015 EV3Lessons.com, Last edit 4/5/2015</a:t>
+              <a:rPr lang="sk-SK" smtClean="0"/>
+              <a:t>© 2016 EV3Lessons.com, Last edit 7/19/2016</a:t>
             </a:r>
             <a:endParaRPr lang="en-US"/>
           </a:p>
@@ -8513,29 +8072,6 @@
               <a:t>Gyro Calibration to Solve Problem 1: Lag</a:t>
             </a:r>
             <a:endParaRPr lang="en-US" dirty="0"/>
-          </a:p>
-        </p:txBody>
-      </p:sp>
-      <p:sp>
-        <p:nvSpPr>
-          <p:cNvPr id="6" name="Slide Number Placeholder 5"/>
-          <p:cNvSpPr>
-            <a:spLocks noGrp="1"/>
-          </p:cNvSpPr>
-          <p:nvPr>
-            <p:ph type="sldNum" sz="quarter" idx="12"/>
-          </p:nvPr>
-        </p:nvSpPr>
-        <p:spPr/>
-        <p:txBody>
-          <a:bodyPr/>
-          <a:lstStyle/>
-          <a:p>
-            <a:fld id="{4382A7F7-08BF-4252-8141-63FB96055BBB}" type="slidenum">
-              <a:rPr lang="en-US" smtClean="0"/>
-              <a:t>5</a:t>
-            </a:fld>
-            <a:endParaRPr lang="en-US"/>
           </a:p>
         </p:txBody>
       </p:sp>
@@ -8649,8 +8185,8 @@
           <a:lstStyle/>
           <a:p>
             <a:r>
-              <a:rPr lang="en-US" smtClean="0"/>
-              <a:t>© 2015 EV3Lessons.com, Last edit 4/5/2015</a:t>
+              <a:rPr lang="sk-SK" smtClean="0"/>
+              <a:t>© 2016 EV3Lessons.com, Last edit 7/19/2016</a:t>
             </a:r>
             <a:endParaRPr lang="en-US"/>
           </a:p>
@@ -8676,29 +8212,6 @@
               <a:t>IMPORTANT NOTES</a:t>
             </a:r>
             <a:endParaRPr lang="en-US" dirty="0"/>
-          </a:p>
-        </p:txBody>
-      </p:sp>
-      <p:sp>
-        <p:nvSpPr>
-          <p:cNvPr id="6" name="Slide Number Placeholder 5"/>
-          <p:cNvSpPr>
-            <a:spLocks noGrp="1"/>
-          </p:cNvSpPr>
-          <p:nvPr>
-            <p:ph type="sldNum" sz="quarter" idx="12"/>
-          </p:nvPr>
-        </p:nvSpPr>
-        <p:spPr/>
-        <p:txBody>
-          <a:bodyPr/>
-          <a:lstStyle/>
-          <a:p>
-            <a:fld id="{4382A7F7-08BF-4252-8141-63FB96055BBB}" type="slidenum">
-              <a:rPr lang="en-US" smtClean="0"/>
-              <a:t>6</a:t>
-            </a:fld>
-            <a:endParaRPr lang="en-US"/>
           </a:p>
         </p:txBody>
       </p:sp>
@@ -8748,8 +8261,8 @@
           <a:lstStyle/>
           <a:p>
             <a:r>
-              <a:rPr lang="en-US" smtClean="0"/>
-              <a:t>© 2015 EV3Lessons.com, Last edit 4/5/2015</a:t>
+              <a:rPr lang="sk-SK" smtClean="0"/>
+              <a:t>© 2016 EV3Lessons.com, Last edit 7/19/2016</a:t>
             </a:r>
             <a:endParaRPr lang="en-US"/>
           </a:p>
@@ -8936,29 +8449,6 @@
           </a:prstGeom>
         </p:spPr>
       </p:pic>
-      <p:sp>
-        <p:nvSpPr>
-          <p:cNvPr id="3" name="Slide Number Placeholder 2"/>
-          <p:cNvSpPr>
-            <a:spLocks noGrp="1"/>
-          </p:cNvSpPr>
-          <p:nvPr>
-            <p:ph type="sldNum" sz="quarter" idx="12"/>
-          </p:nvPr>
-        </p:nvSpPr>
-        <p:spPr/>
-        <p:txBody>
-          <a:bodyPr/>
-          <a:lstStyle/>
-          <a:p>
-            <a:fld id="{4382A7F7-08BF-4252-8141-63FB96055BBB}" type="slidenum">
-              <a:rPr lang="en-US" smtClean="0"/>
-              <a:t>7</a:t>
-            </a:fld>
-            <a:endParaRPr lang="en-US"/>
-          </a:p>
-        </p:txBody>
-      </p:sp>
     </p:spTree>
     <p:extLst>
       <p:ext uri="{BB962C8B-B14F-4D97-AF65-F5344CB8AC3E}">
@@ -9005,8 +8495,8 @@
           <a:lstStyle/>
           <a:p>
             <a:r>
-              <a:rPr lang="en-US" smtClean="0"/>
-              <a:t>© 2015 EV3Lessons.com, Last edit 4/5/2015</a:t>
+              <a:rPr lang="sk-SK" smtClean="0"/>
+              <a:t>© 2016 EV3Lessons.com, Last edit 7/19/2016</a:t>
             </a:r>
             <a:endParaRPr lang="en-US"/>
           </a:p>
@@ -9201,29 +8691,6 @@
               </a:rPr>
               <a:t>Note that in the rest of your program, you should only use the “rate + angle” modes of the gyro. Using the "angle" or “rate” mode will cause the gyro to recalibrate. Also, ***DO NOT*** use the gyro reset - this forces the gyro into angle mode which will cause a long 3 second recalibration.</a:t>
             </a:r>
-          </a:p>
-        </p:txBody>
-      </p:sp>
-      <p:sp>
-        <p:nvSpPr>
-          <p:cNvPr id="3" name="Slide Number Placeholder 2"/>
-          <p:cNvSpPr>
-            <a:spLocks noGrp="1"/>
-          </p:cNvSpPr>
-          <p:nvPr>
-            <p:ph type="sldNum" sz="quarter" idx="12"/>
-          </p:nvPr>
-        </p:nvSpPr>
-        <p:spPr/>
-        <p:txBody>
-          <a:bodyPr/>
-          <a:lstStyle/>
-          <a:p>
-            <a:fld id="{4382A7F7-08BF-4252-8141-63FB96055BBB}" type="slidenum">
-              <a:rPr lang="en-US" smtClean="0"/>
-              <a:t>8</a:t>
-            </a:fld>
-            <a:endParaRPr lang="en-US"/>
           </a:p>
         </p:txBody>
       </p:sp>
@@ -9690,8 +9157,8 @@
           <a:lstStyle/>
           <a:p>
             <a:r>
-              <a:rPr lang="en-US" smtClean="0"/>
-              <a:t>© 2015 EV3Lessons.com, Last edit 4/5/2015</a:t>
+              <a:rPr lang="sk-SK" smtClean="0"/>
+              <a:t>© 2016 EV3Lessons.com, Last edit 7/19/2016</a:t>
             </a:r>
             <a:endParaRPr lang="en-US"/>
           </a:p>
@@ -9723,29 +9190,6 @@
               <a:t>Pseudocode</a:t>
             </a:r>
             <a:endParaRPr lang="en-US" dirty="0"/>
-          </a:p>
-        </p:txBody>
-      </p:sp>
-      <p:sp>
-        <p:nvSpPr>
-          <p:cNvPr id="3" name="Slide Number Placeholder 2"/>
-          <p:cNvSpPr>
-            <a:spLocks noGrp="1"/>
-          </p:cNvSpPr>
-          <p:nvPr>
-            <p:ph type="sldNum" sz="quarter" idx="12"/>
-          </p:nvPr>
-        </p:nvSpPr>
-        <p:spPr/>
-        <p:txBody>
-          <a:bodyPr/>
-          <a:lstStyle/>
-          <a:p>
-            <a:fld id="{4382A7F7-08BF-4252-8141-63FB96055BBB}" type="slidenum">
-              <a:rPr lang="en-US" smtClean="0"/>
-              <a:t>9</a:t>
-            </a:fld>
-            <a:endParaRPr lang="en-US"/>
           </a:p>
         </p:txBody>
       </p:sp>

--- a/translations/en-us/advanced/Gyro.pptx
+++ b/translations/en-us/advanced/Gyro.pptx
@@ -223,7 +223,7 @@
           <a:p>
             <a:fld id="{E354B44E-40A3-0E46-B16A-9BF1250A248B}" type="datetimeFigureOut">
               <a:rPr lang="en-US" smtClean="0"/>
-              <a:t>7/19/16</a:t>
+              <a:t>8/6/17</a:t>
             </a:fld>
             <a:endParaRPr lang="en-US"/>
           </a:p>
@@ -389,7 +389,7 @@
           <a:p>
             <a:fld id="{C86AD16C-2DB4-6642-BAD4-9ED973A087A0}" type="datetimeFigureOut">
               <a:rPr lang="en-US" smtClean="0"/>
-              <a:t>7/19/16</a:t>
+              <a:t>8/6/17</a:t>
             </a:fld>
             <a:endParaRPr lang="en-US"/>
           </a:p>
@@ -1026,9 +1026,9 @@
           <a:bodyPr/>
           <a:lstStyle/>
           <a:p>
-            <a:fld id="{1BE04346-BDF2-5D45-8B07-69F3E5573DE7}" type="datetime1">
-              <a:rPr lang="en-US" smtClean="0"/>
-              <a:t>7/19/16</a:t>
+            <a:fld id="{B8CD61EB-86A7-2143-909A-671FBD4CCD5D}" type="datetime1">
+              <a:rPr lang="en-US" smtClean="0"/>
+              <a:t>8/6/17</a:t>
             </a:fld>
             <a:endParaRPr lang="en-US"/>
           </a:p>
@@ -1051,7 +1051,7 @@
           <a:p>
             <a:r>
               <a:rPr lang="sk-SK" smtClean="0"/>
-              <a:t>© 2016 EV3Lessons.com, Last edit 7/19/2016</a:t>
+              <a:t>© 2016 EV3Lessons.com</a:t>
             </a:r>
             <a:endParaRPr lang="en-US"/>
           </a:p>
@@ -1579,7 +1579,7 @@
           <a:noFill/>
           <a:extLst>
             <a:ext uri="{909E8E84-426E-40dd-AFC4-6F175D3DCCD1}">
-              <a14:hiddenFill xmlns="" xmlns:a14="http://schemas.microsoft.com/office/drawing/2010/main">
+              <a14:hiddenFill xmlns:a14="http://schemas.microsoft.com/office/drawing/2010/main" xmlns="">
                 <a:solidFill>
                   <a:srgbClr val="FFFFFF"/>
                 </a:solidFill>
@@ -1731,9 +1731,9 @@
           <a:bodyPr/>
           <a:lstStyle/>
           <a:p>
-            <a:fld id="{8E02A067-0993-F84B-9D1B-35C5DF055948}" type="datetime1">
-              <a:rPr lang="en-US" smtClean="0"/>
-              <a:t>7/19/16</a:t>
+            <a:fld id="{C100E592-9121-CD4C-A5D0-650E85B01007}" type="datetime1">
+              <a:rPr lang="en-US" smtClean="0"/>
+              <a:t>8/6/17</a:t>
             </a:fld>
             <a:endParaRPr lang="en-US"/>
           </a:p>
@@ -1756,7 +1756,7 @@
           <a:p>
             <a:r>
               <a:rPr lang="sk-SK" smtClean="0"/>
-              <a:t>© 2016 EV3Lessons.com, Last edit 7/19/2016</a:t>
+              <a:t>© 2016 EV3Lessons.com</a:t>
             </a:r>
             <a:endParaRPr lang="en-US"/>
           </a:p>
@@ -2194,9 +2194,9 @@
           <a:bodyPr/>
           <a:lstStyle/>
           <a:p>
-            <a:fld id="{F78453A3-2385-274D-B1A2-727D3BCEF8F7}" type="datetime1">
-              <a:rPr lang="en-US" smtClean="0"/>
-              <a:t>7/19/16</a:t>
+            <a:fld id="{D17434C9-5DD5-BC42-8D00-C95AA05F9490}" type="datetime1">
+              <a:rPr lang="en-US" smtClean="0"/>
+              <a:t>8/6/17</a:t>
             </a:fld>
             <a:endParaRPr lang="en-US" dirty="0"/>
           </a:p>
@@ -2219,7 +2219,7 @@
           <a:p>
             <a:r>
               <a:rPr lang="sk-SK" smtClean="0"/>
-              <a:t>© 2016 EV3Lessons.com, Last edit 7/19/2016</a:t>
+              <a:t>© 2016 EV3Lessons.com</a:t>
             </a:r>
             <a:endParaRPr lang="en-US" dirty="0"/>
           </a:p>
@@ -2659,9 +2659,9 @@
           <a:bodyPr/>
           <a:lstStyle/>
           <a:p>
-            <a:fld id="{C2A53B15-3202-AC45-82F2-FB34DA4213B3}" type="datetime1">
-              <a:rPr lang="en-US" smtClean="0"/>
-              <a:t>7/19/16</a:t>
+            <a:fld id="{3765F00A-3677-6146-BF75-826889CCEDCA}" type="datetime1">
+              <a:rPr lang="en-US" smtClean="0"/>
+              <a:t>8/6/17</a:t>
             </a:fld>
             <a:endParaRPr lang="en-US"/>
           </a:p>
@@ -3384,9 +3384,9 @@
           <a:bodyPr/>
           <a:lstStyle/>
           <a:p>
-            <a:fld id="{4E4996D0-A51A-BA4F-9731-E7EF811BFEE2}" type="datetime1">
-              <a:rPr lang="en-US" smtClean="0"/>
-              <a:t>7/19/16</a:t>
+            <a:fld id="{540F61AE-1C41-BA4F-9947-B9B43E7ACD59}" type="datetime1">
+              <a:rPr lang="en-US" smtClean="0"/>
+              <a:t>8/6/17</a:t>
             </a:fld>
             <a:endParaRPr lang="en-US"/>
           </a:p>
@@ -3409,7 +3409,7 @@
           <a:p>
             <a:r>
               <a:rPr lang="sk-SK" smtClean="0"/>
-              <a:t>© 2016 EV3Lessons.com, Last edit 7/19/2016</a:t>
+              <a:t>© 2016 EV3Lessons.com</a:t>
             </a:r>
             <a:endParaRPr lang="en-US"/>
           </a:p>
@@ -3666,9 +3666,9 @@
           <a:bodyPr/>
           <a:lstStyle/>
           <a:p>
-            <a:fld id="{ABF229D2-2609-434B-A6CC-2C83588BA60B}" type="datetime1">
-              <a:rPr lang="en-US" smtClean="0"/>
-              <a:t>7/19/16</a:t>
+            <a:fld id="{A54BB882-2478-FE4A-881F-E1C11FF9B456}" type="datetime1">
+              <a:rPr lang="en-US" smtClean="0"/>
+              <a:t>8/6/17</a:t>
             </a:fld>
             <a:endParaRPr lang="en-US"/>
           </a:p>
@@ -3691,7 +3691,7 @@
           <a:p>
             <a:r>
               <a:rPr lang="sk-SK" smtClean="0"/>
-              <a:t>© 2016 EV3Lessons.com, Last edit 7/19/2016</a:t>
+              <a:t>© 2016 EV3Lessons.com</a:t>
             </a:r>
             <a:endParaRPr lang="en-US"/>
           </a:p>
@@ -3986,9 +3986,9 @@
           <a:bodyPr/>
           <a:lstStyle/>
           <a:p>
-            <a:fld id="{D9856964-FF25-1545-9D1E-1985E7B0109A}" type="datetime1">
-              <a:rPr lang="en-US" smtClean="0"/>
-              <a:t>7/19/16</a:t>
+            <a:fld id="{A561762A-4F54-4640-B80B-2E9A9CC9D637}" type="datetime1">
+              <a:rPr lang="en-US" smtClean="0"/>
+              <a:t>8/6/17</a:t>
             </a:fld>
             <a:endParaRPr lang="en-US"/>
           </a:p>
@@ -4011,7 +4011,7 @@
           <a:p>
             <a:r>
               <a:rPr lang="sk-SK" smtClean="0"/>
-              <a:t>© 2016 EV3Lessons.com, Last edit 7/19/2016</a:t>
+              <a:t>© 2016 EV3Lessons.com</a:t>
             </a:r>
             <a:endParaRPr lang="en-US"/>
           </a:p>
@@ -4215,9 +4215,9 @@
           <a:bodyPr/>
           <a:lstStyle/>
           <a:p>
-            <a:fld id="{A8DC17B2-D549-3441-B82D-D9EE2520C774}" type="datetime1">
-              <a:rPr lang="en-US" smtClean="0"/>
-              <a:t>7/19/16</a:t>
+            <a:fld id="{809B2184-06D6-3E4E-9390-0071FDC72B08}" type="datetime1">
+              <a:rPr lang="en-US" smtClean="0"/>
+              <a:t>8/6/17</a:t>
             </a:fld>
             <a:endParaRPr lang="en-US"/>
           </a:p>
@@ -4240,7 +4240,7 @@
           <a:p>
             <a:r>
               <a:rPr lang="sk-SK" smtClean="0"/>
-              <a:t>© 2016 EV3Lessons.com, Last edit 7/19/2016</a:t>
+              <a:t>© 2016 EV3Lessons.com</a:t>
             </a:r>
             <a:endParaRPr lang="en-US"/>
           </a:p>
@@ -4502,9 +4502,9 @@
           <a:bodyPr/>
           <a:lstStyle/>
           <a:p>
-            <a:fld id="{C770CB02-5E54-5647-AF7A-C13B382E6F29}" type="datetime1">
-              <a:rPr lang="en-US" smtClean="0"/>
-              <a:t>7/19/16</a:t>
+            <a:fld id="{8798BFBC-4682-9247-893E-49B2B25445E9}" type="datetime1">
+              <a:rPr lang="en-US" smtClean="0"/>
+              <a:t>8/6/17</a:t>
             </a:fld>
             <a:endParaRPr lang="en-US" dirty="0"/>
           </a:p>
@@ -4527,7 +4527,7 @@
           <a:p>
             <a:r>
               <a:rPr lang="sk-SK" smtClean="0"/>
-              <a:t>© 2016 EV3Lessons.com, Last edit 7/19/2016</a:t>
+              <a:t>© 2016 EV3Lessons.com</a:t>
             </a:r>
             <a:endParaRPr lang="en-US" dirty="0"/>
           </a:p>
@@ -4746,9 +4746,9 @@
             </a:lvl1pPr>
           </a:lstStyle>
           <a:p>
-            <a:fld id="{F95F24AF-7F13-E64A-9C60-D1F34B675635}" type="datetime1">
-              <a:rPr lang="en-US" smtClean="0"/>
-              <a:t>7/19/16</a:t>
+            <a:fld id="{251916C3-5C55-6842-81BB-4BDA5AEB10B6}" type="datetime1">
+              <a:rPr lang="en-US" smtClean="0"/>
+              <a:t>8/6/17</a:t>
             </a:fld>
             <a:endParaRPr lang="en-US" dirty="0"/>
           </a:p>
@@ -4789,7 +4789,7 @@
           <a:p>
             <a:r>
               <a:rPr lang="sk-SK" smtClean="0"/>
-              <a:t>© 2016 EV3Lessons.com, Last edit 7/19/2016</a:t>
+              <a:t>© 2016 EV3Lessons.com</a:t>
             </a:r>
             <a:endParaRPr lang="en-US" dirty="0"/>
           </a:p>
@@ -4902,7 +4902,7 @@
       </p:par>
     </p:tnLst>
   </p:timing>
-  <p:hf sldNum="0" hdr="0" dt="0"/>
+  <p:hf hdr="0"/>
   <p:txStyles>
     <p:titleStyle>
       <a:lvl1pPr marL="231775" indent="3175" algn="l" defTabSz="914400" rtl="0" eaLnBrk="1" latinLnBrk="0" hangingPunct="1">
@@ -5401,7 +5401,7 @@
           <a:p>
             <a:r>
               <a:rPr lang="sk-SK" smtClean="0"/>
-              <a:t>© 2016 EV3Lessons.com, Last edit 7/19/2016</a:t>
+              <a:t>© 2016 EV3Lessons.com</a:t>
             </a:r>
             <a:endParaRPr lang="en-US"/>
           </a:p>
@@ -5536,6 +5536,52 @@
               <a:t>This version of the calibration leaves the gyro in angle mode. This is probably the most common way to use the gyro. This code takes about 0.1sec to run.</a:t>
             </a:r>
             <a:endParaRPr lang="en-US" dirty="0"/>
+          </a:p>
+        </p:txBody>
+      </p:sp>
+      <p:sp>
+        <p:nvSpPr>
+          <p:cNvPr id="3" name="Date Placeholder 2"/>
+          <p:cNvSpPr>
+            <a:spLocks noGrp="1"/>
+          </p:cNvSpPr>
+          <p:nvPr>
+            <p:ph type="dt" sz="half" idx="10"/>
+          </p:nvPr>
+        </p:nvSpPr>
+        <p:spPr/>
+        <p:txBody>
+          <a:bodyPr/>
+          <a:lstStyle/>
+          <a:p>
+            <a:fld id="{6193FD32-FB04-CD45-91B4-2D0C5581EDE3}" type="datetime1">
+              <a:rPr lang="en-US" smtClean="0"/>
+              <a:t>8/6/17</a:t>
+            </a:fld>
+            <a:endParaRPr lang="en-US"/>
+          </a:p>
+        </p:txBody>
+      </p:sp>
+      <p:sp>
+        <p:nvSpPr>
+          <p:cNvPr id="5" name="Slide Number Placeholder 4"/>
+          <p:cNvSpPr>
+            <a:spLocks noGrp="1"/>
+          </p:cNvSpPr>
+          <p:nvPr>
+            <p:ph type="sldNum" sz="quarter" idx="12"/>
+          </p:nvPr>
+        </p:nvSpPr>
+        <p:spPr/>
+        <p:txBody>
+          <a:bodyPr/>
+          <a:lstStyle/>
+          <a:p>
+            <a:fld id="{4382A7F7-08BF-4252-8141-63FB96055BBB}" type="slidenum">
+              <a:rPr lang="en-US" smtClean="0"/>
+              <a:t>10</a:t>
+            </a:fld>
+            <a:endParaRPr lang="en-US"/>
           </a:p>
         </p:txBody>
       </p:sp>
@@ -5586,7 +5632,7 @@
           <a:p>
             <a:r>
               <a:rPr lang="sk-SK" smtClean="0"/>
-              <a:t>© 2016 EV3Lessons.com, Last edit 7/19/2016</a:t>
+              <a:t>© 2016 EV3Lessons.com</a:t>
             </a:r>
             <a:endParaRPr lang="en-US"/>
           </a:p>
@@ -5740,6 +5786,52 @@
                 <a:srgbClr val="000000"/>
               </a:solidFill>
             </a:endParaRPr>
+          </a:p>
+        </p:txBody>
+      </p:sp>
+      <p:sp>
+        <p:nvSpPr>
+          <p:cNvPr id="3" name="Date Placeholder 2"/>
+          <p:cNvSpPr>
+            <a:spLocks noGrp="1"/>
+          </p:cNvSpPr>
+          <p:nvPr>
+            <p:ph type="dt" sz="half" idx="10"/>
+          </p:nvPr>
+        </p:nvSpPr>
+        <p:spPr/>
+        <p:txBody>
+          <a:bodyPr/>
+          <a:lstStyle/>
+          <a:p>
+            <a:fld id="{576DC0FE-24C6-5542-B19C-469520102976}" type="datetime1">
+              <a:rPr lang="en-US" smtClean="0"/>
+              <a:t>8/6/17</a:t>
+            </a:fld>
+            <a:endParaRPr lang="en-US"/>
+          </a:p>
+        </p:txBody>
+      </p:sp>
+      <p:sp>
+        <p:nvSpPr>
+          <p:cNvPr id="5" name="Slide Number Placeholder 4"/>
+          <p:cNvSpPr>
+            <a:spLocks noGrp="1"/>
+          </p:cNvSpPr>
+          <p:nvPr>
+            <p:ph type="sldNum" sz="quarter" idx="12"/>
+          </p:nvPr>
+        </p:nvSpPr>
+        <p:spPr/>
+        <p:txBody>
+          <a:bodyPr/>
+          <a:lstStyle/>
+          <a:p>
+            <a:fld id="{4382A7F7-08BF-4252-8141-63FB96055BBB}" type="slidenum">
+              <a:rPr lang="en-US" smtClean="0"/>
+              <a:t>11</a:t>
+            </a:fld>
+            <a:endParaRPr lang="en-US"/>
           </a:p>
         </p:txBody>
       </p:sp>
@@ -5790,7 +5882,7 @@
           <a:p>
             <a:r>
               <a:rPr lang="sk-SK" smtClean="0"/>
-              <a:t>© 2016 EV3Lessons.com, Last edit 7/19/2016</a:t>
+              <a:t>© 2016 EV3Lessons.com</a:t>
             </a:r>
             <a:endParaRPr lang="en-US"/>
           </a:p>
@@ -5840,7 +5932,7 @@
         </p:spPr>
         <p:txBody>
           <a:bodyPr>
-            <a:normAutofit fontScale="77500" lnSpcReduction="20000"/>
+            <a:normAutofit fontScale="62500" lnSpcReduction="20000"/>
           </a:bodyPr>
           <a:lstStyle>
             <a:lvl1pPr marL="454025" indent="-454025" algn="l" defTabSz="914400" rtl="0" eaLnBrk="1" latinLnBrk="0" hangingPunct="1">
@@ -6070,81 +6162,81 @@
               <a:buAutoNum type="arabicPeriod"/>
             </a:pPr>
             <a:r>
-              <a:rPr lang="it-IT" dirty="0" err="1" smtClean="0">
-                <a:solidFill>
-                  <a:srgbClr val="FF0000"/>
+              <a:rPr lang="it-IT" b="1" dirty="0" err="1" smtClean="0">
+                <a:solidFill>
+                  <a:schemeClr val="tx1"/>
                 </a:solidFill>
               </a:rPr>
               <a:t>What</a:t>
             </a:r>
             <a:r>
-              <a:rPr lang="it-IT" dirty="0" smtClean="0">
-                <a:solidFill>
-                  <a:srgbClr val="FF0000"/>
+              <a:rPr lang="it-IT" b="1" dirty="0" smtClean="0">
+                <a:solidFill>
+                  <a:schemeClr val="tx1"/>
                 </a:solidFill>
               </a:rPr>
               <a:t> are 2 common </a:t>
             </a:r>
             <a:r>
-              <a:rPr lang="it-IT" dirty="0" err="1" smtClean="0">
-                <a:solidFill>
-                  <a:srgbClr val="FF0000"/>
+              <a:rPr lang="it-IT" b="1" dirty="0" err="1" smtClean="0">
+                <a:solidFill>
+                  <a:schemeClr val="tx1"/>
                 </a:solidFill>
               </a:rPr>
               <a:t>problems</a:t>
             </a:r>
             <a:r>
-              <a:rPr lang="it-IT" dirty="0" smtClean="0">
-                <a:solidFill>
-                  <a:srgbClr val="FF0000"/>
+              <a:rPr lang="it-IT" b="1" dirty="0" smtClean="0">
+                <a:solidFill>
+                  <a:schemeClr val="tx1"/>
                 </a:solidFill>
               </a:rPr>
               <a:t> </a:t>
             </a:r>
             <a:r>
-              <a:rPr lang="it-IT" dirty="0" err="1" smtClean="0">
-                <a:solidFill>
-                  <a:srgbClr val="FF0000"/>
+              <a:rPr lang="it-IT" b="1" dirty="0" err="1" smtClean="0">
+                <a:solidFill>
+                  <a:schemeClr val="tx1"/>
                 </a:solidFill>
               </a:rPr>
               <a:t>when</a:t>
             </a:r>
             <a:r>
-              <a:rPr lang="it-IT" dirty="0" smtClean="0">
-                <a:solidFill>
-                  <a:srgbClr val="FF0000"/>
+              <a:rPr lang="it-IT" b="1" dirty="0" smtClean="0">
+                <a:solidFill>
+                  <a:schemeClr val="tx1"/>
                 </a:solidFill>
               </a:rPr>
               <a:t> </a:t>
             </a:r>
             <a:r>
-              <a:rPr lang="it-IT" dirty="0" err="1" smtClean="0">
-                <a:solidFill>
-                  <a:srgbClr val="FF0000"/>
+              <a:rPr lang="it-IT" b="1" dirty="0" err="1" smtClean="0">
+                <a:solidFill>
+                  <a:schemeClr val="tx1"/>
                 </a:solidFill>
               </a:rPr>
               <a:t>programming</a:t>
             </a:r>
             <a:r>
-              <a:rPr lang="it-IT" dirty="0" smtClean="0">
-                <a:solidFill>
-                  <a:srgbClr val="FF0000"/>
+              <a:rPr lang="it-IT" b="1" dirty="0" smtClean="0">
+                <a:solidFill>
+                  <a:schemeClr val="tx1"/>
                 </a:solidFill>
               </a:rPr>
               <a:t> with the </a:t>
             </a:r>
             <a:r>
-              <a:rPr lang="it-IT" dirty="0" err="1" smtClean="0">
-                <a:solidFill>
-                  <a:srgbClr val="FF0000"/>
+              <a:rPr lang="it-IT" b="1" dirty="0" err="1" smtClean="0">
+                <a:solidFill>
+                  <a:schemeClr val="tx1"/>
                 </a:solidFill>
               </a:rPr>
               <a:t>gyro</a:t>
             </a:r>
             <a:r>
-              <a:rPr lang="it-IT" dirty="0" smtClean="0">
-                <a:solidFill>
-                  <a:srgbClr val="FF0000"/>
+              <a:rPr lang="it-IT" b="1" dirty="0" smtClean="0">
+                <a:solidFill>
+                  <a:schemeClr val="tx1"/>
                 </a:solidFill>
               </a:rPr>
               <a:t>?</a:t>
@@ -6198,81 +6290,81 @@
               <a:buAutoNum type="arabicPeriod"/>
             </a:pPr>
             <a:r>
-              <a:rPr lang="it-IT" dirty="0" err="1" smtClean="0">
-                <a:solidFill>
-                  <a:srgbClr val="FF0000"/>
+              <a:rPr lang="it-IT" b="1" dirty="0" err="1" smtClean="0">
+                <a:solidFill>
+                  <a:schemeClr val="tx1"/>
                 </a:solidFill>
               </a:rPr>
               <a:t>What</a:t>
             </a:r>
             <a:r>
-              <a:rPr lang="it-IT" dirty="0">
-                <a:solidFill>
-                  <a:srgbClr val="FF0000"/>
+              <a:rPr lang="it-IT" b="1" dirty="0">
+                <a:solidFill>
+                  <a:schemeClr val="tx1"/>
                 </a:solidFill>
               </a:rPr>
               <a:t> </a:t>
             </a:r>
             <a:r>
-              <a:rPr lang="it-IT" dirty="0" err="1" smtClean="0">
-                <a:solidFill>
-                  <a:srgbClr val="FF0000"/>
+              <a:rPr lang="it-IT" b="1" dirty="0" err="1" smtClean="0">
+                <a:solidFill>
+                  <a:schemeClr val="tx1"/>
                 </a:solidFill>
               </a:rPr>
               <a:t>does</a:t>
             </a:r>
             <a:r>
-              <a:rPr lang="it-IT" dirty="0" smtClean="0">
-                <a:solidFill>
-                  <a:srgbClr val="FF0000"/>
+              <a:rPr lang="it-IT" b="1" dirty="0" smtClean="0">
+                <a:solidFill>
+                  <a:schemeClr val="tx1"/>
                 </a:solidFill>
               </a:rPr>
               <a:t> </a:t>
             </a:r>
             <a:r>
-              <a:rPr lang="it-IT" dirty="0" err="1" smtClean="0">
-                <a:solidFill>
-                  <a:srgbClr val="FF0000"/>
+              <a:rPr lang="it-IT" b="1" dirty="0" err="1" smtClean="0">
+                <a:solidFill>
+                  <a:schemeClr val="tx1"/>
                 </a:solidFill>
               </a:rPr>
               <a:t>Gyro</a:t>
             </a:r>
             <a:r>
-              <a:rPr lang="it-IT" dirty="0" smtClean="0">
-                <a:solidFill>
-                  <a:srgbClr val="FF0000"/>
+              <a:rPr lang="it-IT" b="1" dirty="0" smtClean="0">
+                <a:solidFill>
+                  <a:schemeClr val="tx1"/>
                 </a:solidFill>
               </a:rPr>
               <a:t> </a:t>
             </a:r>
             <a:r>
-              <a:rPr lang="it-IT" dirty="0" err="1" smtClean="0">
-                <a:solidFill>
-                  <a:srgbClr val="FF0000"/>
+              <a:rPr lang="it-IT" b="1" dirty="0" err="1" smtClean="0">
+                <a:solidFill>
+                  <a:schemeClr val="tx1"/>
                 </a:solidFill>
               </a:rPr>
               <a:t>drift</a:t>
             </a:r>
             <a:r>
-              <a:rPr lang="it-IT" dirty="0" smtClean="0">
-                <a:solidFill>
-                  <a:srgbClr val="FF0000"/>
+              <a:rPr lang="it-IT" b="1" dirty="0" smtClean="0">
+                <a:solidFill>
+                  <a:schemeClr val="tx1"/>
                 </a:solidFill>
               </a:rPr>
               <a:t> </a:t>
             </a:r>
             <a:r>
-              <a:rPr lang="it-IT" dirty="0" err="1" smtClean="0">
-                <a:solidFill>
-                  <a:srgbClr val="FF0000"/>
+              <a:rPr lang="it-IT" b="1" dirty="0" err="1" smtClean="0">
+                <a:solidFill>
+                  <a:schemeClr val="tx1"/>
                 </a:solidFill>
               </a:rPr>
               <a:t>mean</a:t>
             </a:r>
             <a:r>
-              <a:rPr lang="it-IT" dirty="0" smtClean="0">
-                <a:solidFill>
-                  <a:srgbClr val="FF0000"/>
+              <a:rPr lang="it-IT" b="1" dirty="0" smtClean="0">
+                <a:solidFill>
+                  <a:schemeClr val="tx1"/>
                 </a:solidFill>
               </a:rPr>
               <a:t>?</a:t>
@@ -6358,121 +6450,121 @@
               <a:buAutoNum type="arabicPeriod"/>
             </a:pPr>
             <a:r>
-              <a:rPr lang="it-IT" dirty="0" smtClean="0">
-                <a:solidFill>
-                  <a:srgbClr val="FF0000"/>
+              <a:rPr lang="it-IT" b="1" dirty="0" smtClean="0">
+                <a:solidFill>
+                  <a:schemeClr val="tx1"/>
                 </a:solidFill>
               </a:rPr>
               <a:t>Can </a:t>
             </a:r>
             <a:r>
-              <a:rPr lang="it-IT" dirty="0" err="1" smtClean="0">
-                <a:solidFill>
-                  <a:srgbClr val="FF0000"/>
+              <a:rPr lang="it-IT" b="1" dirty="0" err="1" smtClean="0">
+                <a:solidFill>
+                  <a:schemeClr val="tx1"/>
                 </a:solidFill>
               </a:rPr>
               <a:t>you</a:t>
             </a:r>
             <a:r>
-              <a:rPr lang="it-IT" dirty="0" smtClean="0">
-                <a:solidFill>
-                  <a:srgbClr val="FF0000"/>
+              <a:rPr lang="it-IT" b="1" dirty="0" smtClean="0">
+                <a:solidFill>
+                  <a:schemeClr val="tx1"/>
                 </a:solidFill>
               </a:rPr>
               <a:t> </a:t>
             </a:r>
             <a:r>
-              <a:rPr lang="it-IT" dirty="0" err="1" smtClean="0">
-                <a:solidFill>
-                  <a:srgbClr val="FF0000"/>
+              <a:rPr lang="it-IT" b="1" dirty="0" err="1" smtClean="0">
+                <a:solidFill>
+                  <a:schemeClr val="tx1"/>
                 </a:solidFill>
               </a:rPr>
               <a:t>move</a:t>
             </a:r>
             <a:r>
-              <a:rPr lang="it-IT" dirty="0" smtClean="0">
-                <a:solidFill>
-                  <a:srgbClr val="FF0000"/>
+              <a:rPr lang="it-IT" b="1" dirty="0" smtClean="0">
+                <a:solidFill>
+                  <a:schemeClr val="tx1"/>
                 </a:solidFill>
               </a:rPr>
               <a:t> </a:t>
             </a:r>
             <a:r>
-              <a:rPr lang="it-IT" dirty="0" err="1" smtClean="0">
-                <a:solidFill>
-                  <a:srgbClr val="FF0000"/>
+              <a:rPr lang="it-IT" b="1" dirty="0" err="1" smtClean="0">
+                <a:solidFill>
+                  <a:schemeClr val="tx1"/>
                 </a:solidFill>
               </a:rPr>
               <a:t>your</a:t>
             </a:r>
             <a:r>
-              <a:rPr lang="it-IT" dirty="0" smtClean="0">
-                <a:solidFill>
-                  <a:srgbClr val="FF0000"/>
+              <a:rPr lang="it-IT" b="1" dirty="0" smtClean="0">
+                <a:solidFill>
+                  <a:schemeClr val="tx1"/>
                 </a:solidFill>
               </a:rPr>
               <a:t> robot </a:t>
             </a:r>
             <a:r>
-              <a:rPr lang="it-IT" dirty="0" err="1" smtClean="0">
-                <a:solidFill>
-                  <a:srgbClr val="FF0000"/>
+              <a:rPr lang="it-IT" b="1" dirty="0" err="1" smtClean="0">
+                <a:solidFill>
+                  <a:schemeClr val="tx1"/>
                 </a:solidFill>
               </a:rPr>
               <a:t>when</a:t>
             </a:r>
             <a:r>
-              <a:rPr lang="it-IT" dirty="0" smtClean="0">
-                <a:solidFill>
-                  <a:srgbClr val="FF0000"/>
+              <a:rPr lang="it-IT" b="1" dirty="0" smtClean="0">
+                <a:solidFill>
+                  <a:schemeClr val="tx1"/>
                 </a:solidFill>
               </a:rPr>
               <a:t> </a:t>
             </a:r>
             <a:r>
-              <a:rPr lang="it-IT" dirty="0" err="1" smtClean="0">
-                <a:solidFill>
-                  <a:srgbClr val="FF0000"/>
+              <a:rPr lang="it-IT" b="1" dirty="0" err="1" smtClean="0">
+                <a:solidFill>
+                  <a:schemeClr val="tx1"/>
                 </a:solidFill>
               </a:rPr>
               <a:t>you</a:t>
             </a:r>
             <a:r>
-              <a:rPr lang="it-IT" dirty="0" smtClean="0">
-                <a:solidFill>
-                  <a:srgbClr val="FF0000"/>
+              <a:rPr lang="it-IT" b="1" dirty="0" smtClean="0">
+                <a:solidFill>
+                  <a:schemeClr val="tx1"/>
                 </a:solidFill>
               </a:rPr>
               <a:t> calibrate </a:t>
             </a:r>
             <a:r>
-              <a:rPr lang="it-IT" dirty="0" err="1" smtClean="0">
-                <a:solidFill>
-                  <a:srgbClr val="FF0000"/>
+              <a:rPr lang="it-IT" b="1" dirty="0" err="1" smtClean="0">
+                <a:solidFill>
+                  <a:schemeClr val="tx1"/>
                 </a:solidFill>
               </a:rPr>
               <a:t>your</a:t>
             </a:r>
             <a:r>
-              <a:rPr lang="it-IT" dirty="0" smtClean="0">
-                <a:solidFill>
-                  <a:srgbClr val="FF0000"/>
+              <a:rPr lang="it-IT" b="1" dirty="0" smtClean="0">
+                <a:solidFill>
+                  <a:schemeClr val="tx1"/>
                 </a:solidFill>
               </a:rPr>
               <a:t> </a:t>
             </a:r>
             <a:r>
-              <a:rPr lang="it-IT" dirty="0" err="1" smtClean="0">
-                <a:solidFill>
-                  <a:srgbClr val="FF0000"/>
+              <a:rPr lang="it-IT" b="1" dirty="0" err="1" smtClean="0">
+                <a:solidFill>
+                  <a:schemeClr val="tx1"/>
                 </a:solidFill>
               </a:rPr>
               <a:t>gyro</a:t>
             </a:r>
             <a:r>
-              <a:rPr lang="it-IT" dirty="0" smtClean="0">
-                <a:solidFill>
-                  <a:srgbClr val="FF0000"/>
+              <a:rPr lang="it-IT" b="1" dirty="0" smtClean="0">
+                <a:solidFill>
+                  <a:schemeClr val="tx1"/>
                 </a:solidFill>
               </a:rPr>
               <a:t>?</a:t>
@@ -6513,121 +6605,121 @@
               <a:buAutoNum type="arabicPeriod"/>
             </a:pPr>
             <a:r>
-              <a:rPr lang="it-IT" dirty="0" smtClean="0">
-                <a:solidFill>
-                  <a:srgbClr val="FF0000"/>
+              <a:rPr lang="it-IT" b="1" dirty="0" smtClean="0">
+                <a:solidFill>
+                  <a:schemeClr val="tx1"/>
                 </a:solidFill>
               </a:rPr>
               <a:t>Do </a:t>
             </a:r>
             <a:r>
-              <a:rPr lang="it-IT" dirty="0" err="1" smtClean="0">
-                <a:solidFill>
-                  <a:srgbClr val="FF0000"/>
+              <a:rPr lang="it-IT" b="1" dirty="0" err="1" smtClean="0">
+                <a:solidFill>
+                  <a:schemeClr val="tx1"/>
                 </a:solidFill>
               </a:rPr>
               <a:t>you</a:t>
             </a:r>
             <a:r>
-              <a:rPr lang="it-IT" dirty="0" smtClean="0">
-                <a:solidFill>
-                  <a:srgbClr val="FF0000"/>
+              <a:rPr lang="it-IT" b="1" dirty="0" smtClean="0">
+                <a:solidFill>
+                  <a:schemeClr val="tx1"/>
                 </a:solidFill>
               </a:rPr>
               <a:t> </a:t>
             </a:r>
             <a:r>
-              <a:rPr lang="it-IT" dirty="0" err="1" smtClean="0">
-                <a:solidFill>
-                  <a:srgbClr val="FF0000"/>
+              <a:rPr lang="it-IT" b="1" dirty="0" err="1" smtClean="0">
+                <a:solidFill>
+                  <a:schemeClr val="tx1"/>
                 </a:solidFill>
               </a:rPr>
               <a:t>need</a:t>
             </a:r>
             <a:r>
-              <a:rPr lang="it-IT" dirty="0" smtClean="0">
-                <a:solidFill>
-                  <a:srgbClr val="FF0000"/>
+              <a:rPr lang="it-IT" b="1" dirty="0" smtClean="0">
+                <a:solidFill>
+                  <a:schemeClr val="tx1"/>
                 </a:solidFill>
               </a:rPr>
               <a:t> to calibrate </a:t>
             </a:r>
             <a:r>
-              <a:rPr lang="it-IT" dirty="0" err="1" smtClean="0">
-                <a:solidFill>
-                  <a:srgbClr val="FF0000"/>
+              <a:rPr lang="it-IT" b="1" dirty="0" err="1" smtClean="0">
+                <a:solidFill>
+                  <a:schemeClr val="tx1"/>
                 </a:solidFill>
               </a:rPr>
               <a:t>your</a:t>
             </a:r>
             <a:r>
-              <a:rPr lang="it-IT" dirty="0" smtClean="0">
-                <a:solidFill>
-                  <a:srgbClr val="FF0000"/>
+              <a:rPr lang="it-IT" b="1" dirty="0" smtClean="0">
+                <a:solidFill>
+                  <a:schemeClr val="tx1"/>
                 </a:solidFill>
               </a:rPr>
               <a:t> </a:t>
             </a:r>
             <a:r>
-              <a:rPr lang="it-IT" dirty="0" err="1" smtClean="0">
-                <a:solidFill>
-                  <a:srgbClr val="FF0000"/>
+              <a:rPr lang="it-IT" b="1" dirty="0" err="1" smtClean="0">
+                <a:solidFill>
+                  <a:schemeClr val="tx1"/>
                 </a:solidFill>
               </a:rPr>
               <a:t>gryo</a:t>
             </a:r>
             <a:r>
-              <a:rPr lang="it-IT" dirty="0" smtClean="0">
-                <a:solidFill>
-                  <a:srgbClr val="FF0000"/>
+              <a:rPr lang="it-IT" b="1" dirty="0" smtClean="0">
+                <a:solidFill>
+                  <a:schemeClr val="tx1"/>
                 </a:solidFill>
               </a:rPr>
               <a:t> </a:t>
             </a:r>
             <a:r>
-              <a:rPr lang="it-IT" dirty="0" err="1" smtClean="0">
-                <a:solidFill>
-                  <a:srgbClr val="FF0000"/>
+              <a:rPr lang="it-IT" b="1" dirty="0" err="1" smtClean="0">
+                <a:solidFill>
+                  <a:schemeClr val="tx1"/>
                 </a:solidFill>
               </a:rPr>
               <a:t>before</a:t>
             </a:r>
             <a:r>
-              <a:rPr lang="it-IT" dirty="0" smtClean="0">
-                <a:solidFill>
-                  <a:srgbClr val="FF0000"/>
+              <a:rPr lang="it-IT" b="1" dirty="0" smtClean="0">
+                <a:solidFill>
+                  <a:schemeClr val="tx1"/>
                 </a:solidFill>
               </a:rPr>
               <a:t> </a:t>
             </a:r>
             <a:r>
-              <a:rPr lang="it-IT" dirty="0" err="1" smtClean="0">
-                <a:solidFill>
-                  <a:srgbClr val="FF0000"/>
+              <a:rPr lang="it-IT" b="1" dirty="0" err="1" smtClean="0">
+                <a:solidFill>
+                  <a:schemeClr val="tx1"/>
                 </a:solidFill>
               </a:rPr>
               <a:t>every</a:t>
             </a:r>
             <a:r>
-              <a:rPr lang="it-IT" dirty="0" smtClean="0">
-                <a:solidFill>
-                  <a:srgbClr val="FF0000"/>
+              <a:rPr lang="it-IT" b="1" dirty="0" smtClean="0">
+                <a:solidFill>
+                  <a:schemeClr val="tx1"/>
                 </a:solidFill>
               </a:rPr>
               <a:t> </a:t>
             </a:r>
             <a:r>
-              <a:rPr lang="it-IT" dirty="0" err="1" smtClean="0">
-                <a:solidFill>
-                  <a:srgbClr val="FF0000"/>
+              <a:rPr lang="it-IT" b="1" dirty="0" err="1" smtClean="0">
+                <a:solidFill>
+                  <a:schemeClr val="tx1"/>
                 </a:solidFill>
               </a:rPr>
               <a:t>move</a:t>
             </a:r>
             <a:r>
-              <a:rPr lang="it-IT" dirty="0" smtClean="0">
-                <a:solidFill>
-                  <a:srgbClr val="FF0000"/>
+              <a:rPr lang="it-IT" b="1" dirty="0" smtClean="0">
+                <a:solidFill>
+                  <a:schemeClr val="tx1"/>
                 </a:solidFill>
               </a:rPr>
               <a:t>?</a:t>
@@ -6697,251 +6789,433 @@
               <a:buAutoNum type="arabicPeriod"/>
             </a:pPr>
             <a:r>
-              <a:rPr lang="it-IT" dirty="0" err="1" smtClean="0">
+              <a:rPr lang="it-IT" b="1" dirty="0" err="1" smtClean="0">
+                <a:solidFill>
+                  <a:schemeClr val="tx1"/>
+                </a:solidFill>
+              </a:rPr>
+              <a:t>Why</a:t>
+            </a:r>
+            <a:r>
+              <a:rPr lang="it-IT" b="1" dirty="0" smtClean="0">
+                <a:solidFill>
+                  <a:schemeClr val="tx1"/>
+                </a:solidFill>
+              </a:rPr>
+              <a:t> </a:t>
+            </a:r>
+            <a:r>
+              <a:rPr lang="it-IT" b="1" dirty="0" err="1" smtClean="0">
+                <a:solidFill>
+                  <a:schemeClr val="tx1"/>
+                </a:solidFill>
+              </a:rPr>
+              <a:t>might</a:t>
+            </a:r>
+            <a:r>
+              <a:rPr lang="it-IT" b="1" dirty="0" smtClean="0">
+                <a:solidFill>
+                  <a:schemeClr val="tx1"/>
+                </a:solidFill>
+              </a:rPr>
+              <a:t> </a:t>
+            </a:r>
+            <a:r>
+              <a:rPr lang="it-IT" b="1" dirty="0" err="1" smtClean="0">
+                <a:solidFill>
+                  <a:schemeClr val="tx1"/>
+                </a:solidFill>
+              </a:rPr>
+              <a:t>it</a:t>
+            </a:r>
+            <a:r>
+              <a:rPr lang="it-IT" b="1" dirty="0" smtClean="0">
+                <a:solidFill>
+                  <a:schemeClr val="tx1"/>
+                </a:solidFill>
+              </a:rPr>
+              <a:t> be </a:t>
+            </a:r>
+            <a:r>
+              <a:rPr lang="it-IT" b="1" dirty="0" err="1" smtClean="0">
+                <a:solidFill>
+                  <a:schemeClr val="tx1"/>
+                </a:solidFill>
+              </a:rPr>
+              <a:t>important</a:t>
+            </a:r>
+            <a:r>
+              <a:rPr lang="it-IT" b="1" dirty="0" smtClean="0">
+                <a:solidFill>
+                  <a:schemeClr val="tx1"/>
+                </a:solidFill>
+              </a:rPr>
+              <a:t> to </a:t>
+            </a:r>
+            <a:r>
+              <a:rPr lang="it-IT" b="1" dirty="0" err="1" smtClean="0">
+                <a:solidFill>
+                  <a:schemeClr val="tx1"/>
+                </a:solidFill>
+              </a:rPr>
+              <a:t>consider</a:t>
+            </a:r>
+            <a:r>
+              <a:rPr lang="it-IT" b="1" dirty="0" smtClean="0">
+                <a:solidFill>
+                  <a:schemeClr val="tx1"/>
+                </a:solidFill>
+              </a:rPr>
+              <a:t> multiple </a:t>
+            </a:r>
+            <a:r>
+              <a:rPr lang="it-IT" b="1" dirty="0" err="1" smtClean="0">
+                <a:solidFill>
+                  <a:schemeClr val="tx1"/>
+                </a:solidFill>
+              </a:rPr>
+              <a:t>solutions</a:t>
+            </a:r>
+            <a:r>
+              <a:rPr lang="it-IT" b="1" dirty="0" smtClean="0">
+                <a:solidFill>
+                  <a:schemeClr val="tx1"/>
+                </a:solidFill>
+              </a:rPr>
+              <a:t> to a </a:t>
+            </a:r>
+            <a:r>
+              <a:rPr lang="it-IT" b="1" dirty="0" err="1" smtClean="0">
+                <a:solidFill>
+                  <a:schemeClr val="tx1"/>
+                </a:solidFill>
+              </a:rPr>
+              <a:t>problem</a:t>
+            </a:r>
+            <a:r>
+              <a:rPr lang="it-IT" b="1" dirty="0" smtClean="0">
+                <a:solidFill>
+                  <a:schemeClr val="tx1"/>
+                </a:solidFill>
+              </a:rPr>
+              <a:t>?</a:t>
+            </a:r>
+            <a:endParaRPr lang="it-IT" b="1" dirty="0">
+              <a:solidFill>
+                <a:schemeClr val="tx1"/>
+              </a:solidFill>
+            </a:endParaRPr>
+          </a:p>
+          <a:p>
+            <a:pPr marL="460375" lvl="1" indent="0">
+              <a:buNone/>
+            </a:pPr>
+            <a:r>
+              <a:rPr lang="it-IT" dirty="0" err="1" smtClean="0"/>
+              <a:t>Ans</a:t>
+            </a:r>
+            <a:r>
+              <a:rPr lang="it-IT" dirty="0" smtClean="0"/>
+              <a:t>. In </a:t>
+            </a:r>
+            <a:r>
+              <a:rPr lang="it-IT" dirty="0" err="1" smtClean="0"/>
+              <a:t>robotics</a:t>
+            </a:r>
+            <a:r>
+              <a:rPr lang="it-IT" dirty="0" smtClean="0"/>
+              <a:t>, </a:t>
+            </a:r>
+            <a:r>
+              <a:rPr lang="it-IT" dirty="0" err="1" smtClean="0"/>
+              <a:t>there</a:t>
+            </a:r>
+            <a:r>
+              <a:rPr lang="it-IT" dirty="0" smtClean="0"/>
+              <a:t> are multiple ways to solve a </a:t>
+            </a:r>
+            <a:r>
+              <a:rPr lang="it-IT" dirty="0" err="1" smtClean="0"/>
+              <a:t>problem</a:t>
+            </a:r>
+            <a:r>
+              <a:rPr lang="it-IT" dirty="0"/>
+              <a:t> </a:t>
+            </a:r>
+            <a:r>
+              <a:rPr lang="it-IT" dirty="0" smtClean="0"/>
+              <a:t>and </a:t>
+            </a:r>
+            <a:r>
+              <a:rPr lang="it-IT" dirty="0" err="1" smtClean="0"/>
+              <a:t>there</a:t>
+            </a:r>
+            <a:r>
+              <a:rPr lang="it-IT" dirty="0" smtClean="0"/>
+              <a:t> </a:t>
+            </a:r>
+            <a:r>
+              <a:rPr lang="it-IT" dirty="0" err="1" smtClean="0"/>
+              <a:t>might</a:t>
+            </a:r>
+            <a:r>
+              <a:rPr lang="it-IT" dirty="0" smtClean="0"/>
+              <a:t> be </a:t>
+            </a:r>
+            <a:r>
+              <a:rPr lang="it-IT" dirty="0" err="1" smtClean="0"/>
+              <a:t>tradeoffs</a:t>
+            </a:r>
+            <a:r>
+              <a:rPr lang="it-IT" dirty="0" smtClean="0"/>
+              <a:t> </a:t>
+            </a:r>
+            <a:r>
+              <a:rPr lang="it-IT" dirty="0" err="1" smtClean="0"/>
+              <a:t>between</a:t>
+            </a:r>
+            <a:r>
+              <a:rPr lang="it-IT" dirty="0" smtClean="0"/>
+              <a:t> the </a:t>
+            </a:r>
+            <a:r>
+              <a:rPr lang="it-IT" dirty="0" err="1" smtClean="0"/>
+              <a:t>solutions</a:t>
+            </a:r>
+            <a:r>
+              <a:rPr lang="it-IT" dirty="0" smtClean="0"/>
+              <a:t> (e.g. </a:t>
+            </a:r>
+            <a:r>
+              <a:rPr lang="it-IT" dirty="0" err="1" smtClean="0"/>
+              <a:t>how</a:t>
+            </a:r>
+            <a:r>
+              <a:rPr lang="it-IT" dirty="0" smtClean="0"/>
+              <a:t> long the code </a:t>
+            </a:r>
+            <a:r>
+              <a:rPr lang="it-IT" dirty="0" err="1" smtClean="0"/>
+              <a:t>takes</a:t>
+            </a:r>
+            <a:r>
+              <a:rPr lang="it-IT" dirty="0" smtClean="0"/>
+              <a:t> to </a:t>
+            </a:r>
+            <a:r>
+              <a:rPr lang="it-IT" dirty="0" err="1" smtClean="0"/>
+              <a:t>run</a:t>
+            </a:r>
+            <a:r>
+              <a:rPr lang="it-IT" dirty="0" smtClean="0"/>
+              <a:t> the code, can </a:t>
+            </a:r>
+            <a:r>
+              <a:rPr lang="it-IT" dirty="0" err="1" smtClean="0"/>
+              <a:t>you</a:t>
+            </a:r>
+            <a:r>
+              <a:rPr lang="it-IT" dirty="0" smtClean="0"/>
+              <a:t> use </a:t>
+            </a:r>
+            <a:r>
+              <a:rPr lang="it-IT" dirty="0" err="1" smtClean="0"/>
+              <a:t>both</a:t>
+            </a:r>
+            <a:r>
+              <a:rPr lang="it-IT" dirty="0" smtClean="0"/>
+              <a:t> rate and angle </a:t>
+            </a:r>
+            <a:r>
+              <a:rPr lang="it-IT" dirty="0" err="1" smtClean="0"/>
+              <a:t>readings</a:t>
+            </a:r>
+            <a:r>
+              <a:rPr lang="it-IT" dirty="0" smtClean="0"/>
+              <a:t>?)</a:t>
+            </a:r>
+          </a:p>
+          <a:p>
+            <a:pPr marL="460375" lvl="1" indent="0">
+              <a:buNone/>
+            </a:pPr>
+            <a:endParaRPr lang="it-IT" dirty="0"/>
+          </a:p>
+          <a:p>
+            <a:pPr marL="460375" lvl="1" indent="0">
+              <a:buNone/>
+            </a:pPr>
+            <a:r>
+              <a:rPr lang="it-IT" sz="2600" b="1" i="1" dirty="0" smtClean="0">
                 <a:solidFill>
                   <a:srgbClr val="FF0000"/>
                 </a:solidFill>
               </a:rPr>
-              <a:t>Why</a:t>
-            </a:r>
-            <a:r>
-              <a:rPr lang="it-IT" dirty="0" smtClean="0">
+              <a:t>Update: </a:t>
+            </a:r>
+            <a:r>
+              <a:rPr lang="it-IT" sz="2600" b="1" i="1" dirty="0" err="1" smtClean="0">
                 <a:solidFill>
                   <a:srgbClr val="FF0000"/>
                 </a:solidFill>
               </a:rPr>
+              <a:t>Please</a:t>
+            </a:r>
+            <a:r>
+              <a:rPr lang="it-IT" sz="2600" b="1" i="1" dirty="0" smtClean="0">
+                <a:solidFill>
+                  <a:srgbClr val="FF0000"/>
+                </a:solidFill>
+              </a:rPr>
               <a:t> </a:t>
             </a:r>
             <a:r>
-              <a:rPr lang="it-IT" dirty="0" err="1" smtClean="0">
+              <a:rPr lang="it-IT" sz="2600" b="1" i="1" dirty="0" err="1" smtClean="0">
                 <a:solidFill>
                   <a:srgbClr val="FF0000"/>
                 </a:solidFill>
               </a:rPr>
-              <a:t>might</a:t>
-            </a:r>
-            <a:r>
-              <a:rPr lang="it-IT" dirty="0" smtClean="0">
+              <a:t>read</a:t>
+            </a:r>
+            <a:r>
+              <a:rPr lang="it-IT" sz="2600" b="1" i="1" dirty="0" smtClean="0">
                 <a:solidFill>
                   <a:srgbClr val="FF0000"/>
                 </a:solidFill>
               </a:rPr>
+              <a:t> the “</a:t>
+            </a:r>
+            <a:r>
+              <a:rPr lang="it-IT" sz="2600" b="1" i="1" dirty="0" err="1" smtClean="0">
+                <a:solidFill>
+                  <a:srgbClr val="FF0000"/>
+                </a:solidFill>
+              </a:rPr>
+              <a:t>Gyro</a:t>
+            </a:r>
+            <a:r>
+              <a:rPr lang="it-IT" sz="2600" b="1" i="1" dirty="0" smtClean="0">
+                <a:solidFill>
+                  <a:srgbClr val="FF0000"/>
+                </a:solidFill>
+              </a:rPr>
+              <a:t> Sensor </a:t>
+            </a:r>
+            <a:r>
+              <a:rPr lang="it-IT" sz="2600" b="1" i="1" dirty="0" err="1" smtClean="0">
+                <a:solidFill>
+                  <a:srgbClr val="FF0000"/>
+                </a:solidFill>
+              </a:rPr>
+              <a:t>Revisited</a:t>
+            </a:r>
+            <a:r>
+              <a:rPr lang="it-IT" sz="2600" b="1" i="1" dirty="0" smtClean="0">
+                <a:solidFill>
+                  <a:srgbClr val="FF0000"/>
+                </a:solidFill>
+              </a:rPr>
+              <a:t>” </a:t>
+            </a:r>
+            <a:r>
+              <a:rPr lang="it-IT" sz="2600" b="1" i="1" dirty="0" err="1" smtClean="0">
+                <a:solidFill>
+                  <a:srgbClr val="FF0000"/>
+                </a:solidFill>
+              </a:rPr>
+              <a:t>lesson</a:t>
+            </a:r>
+            <a:r>
+              <a:rPr lang="it-IT" sz="2600" b="1" i="1" dirty="0" smtClean="0">
+                <a:solidFill>
+                  <a:srgbClr val="FF0000"/>
+                </a:solidFill>
+              </a:rPr>
+              <a:t> for </a:t>
+            </a:r>
+            <a:r>
+              <a:rPr lang="it-IT" sz="2600" b="1" i="1" dirty="0" err="1" smtClean="0">
+                <a:solidFill>
+                  <a:srgbClr val="FF0000"/>
+                </a:solidFill>
+              </a:rPr>
+              <a:t>important</a:t>
+            </a:r>
+            <a:r>
+              <a:rPr lang="it-IT" sz="2600" b="1" i="1" dirty="0" smtClean="0">
+                <a:solidFill>
+                  <a:srgbClr val="FF0000"/>
+                </a:solidFill>
+              </a:rPr>
               <a:t> </a:t>
             </a:r>
             <a:r>
-              <a:rPr lang="it-IT" dirty="0" err="1" smtClean="0">
+              <a:rPr lang="it-IT" sz="2600" b="1" i="1" dirty="0" err="1" smtClean="0">
                 <a:solidFill>
                   <a:srgbClr val="FF0000"/>
                 </a:solidFill>
               </a:rPr>
-              <a:t>it</a:t>
-            </a:r>
-            <a:r>
-              <a:rPr lang="it-IT" dirty="0" smtClean="0">
+              <a:t>updates</a:t>
+            </a:r>
+            <a:r>
+              <a:rPr lang="it-IT" sz="2600" b="1" i="1" dirty="0" smtClean="0">
                 <a:solidFill>
                   <a:srgbClr val="FF0000"/>
                 </a:solidFill>
               </a:rPr>
-              <a:t> be </a:t>
-            </a:r>
-            <a:r>
-              <a:rPr lang="it-IT" dirty="0" err="1" smtClean="0">
-                <a:solidFill>
-                  <a:srgbClr val="FF0000"/>
-                </a:solidFill>
-              </a:rPr>
-              <a:t>important</a:t>
-            </a:r>
-            <a:r>
-              <a:rPr lang="it-IT" dirty="0" smtClean="0">
-                <a:solidFill>
-                  <a:srgbClr val="FF0000"/>
-                </a:solidFill>
-              </a:rPr>
-              <a:t> to </a:t>
-            </a:r>
-            <a:r>
-              <a:rPr lang="it-IT" dirty="0" err="1" smtClean="0">
-                <a:solidFill>
-                  <a:srgbClr val="FF0000"/>
-                </a:solidFill>
-              </a:rPr>
-              <a:t>consider</a:t>
-            </a:r>
-            <a:r>
-              <a:rPr lang="it-IT" dirty="0" smtClean="0">
-                <a:solidFill>
-                  <a:srgbClr val="FF0000"/>
-                </a:solidFill>
-              </a:rPr>
-              <a:t> multiple </a:t>
-            </a:r>
-            <a:r>
-              <a:rPr lang="it-IT" dirty="0" err="1" smtClean="0">
-                <a:solidFill>
-                  <a:srgbClr val="FF0000"/>
-                </a:solidFill>
-              </a:rPr>
-              <a:t>solutions</a:t>
-            </a:r>
-            <a:r>
-              <a:rPr lang="it-IT" dirty="0" smtClean="0">
-                <a:solidFill>
-                  <a:srgbClr val="FF0000"/>
-                </a:solidFill>
-              </a:rPr>
-              <a:t> to a </a:t>
-            </a:r>
-            <a:r>
-              <a:rPr lang="it-IT" dirty="0" err="1" smtClean="0">
-                <a:solidFill>
-                  <a:srgbClr val="FF0000"/>
-                </a:solidFill>
-              </a:rPr>
-              <a:t>problem</a:t>
-            </a:r>
-            <a:r>
-              <a:rPr lang="it-IT" dirty="0" smtClean="0">
-                <a:solidFill>
-                  <a:srgbClr val="FF0000"/>
-                </a:solidFill>
-              </a:rPr>
-              <a:t>?</a:t>
-            </a:r>
-            <a:endParaRPr lang="it-IT" dirty="0">
+              <a:t> (8/6/2017)</a:t>
+            </a:r>
+            <a:endParaRPr lang="it-IT" sz="2600" b="1" i="1" dirty="0" smtClean="0">
               <a:solidFill>
                 <a:srgbClr val="FF0000"/>
               </a:solidFill>
             </a:endParaRPr>
           </a:p>
-          <a:p>
-            <a:pPr marL="460375" lvl="1" indent="0">
-              <a:buNone/>
-            </a:pPr>
-            <a:r>
-              <a:rPr lang="it-IT" dirty="0" err="1" smtClean="0"/>
-              <a:t>Ans</a:t>
-            </a:r>
-            <a:r>
-              <a:rPr lang="it-IT" dirty="0" smtClean="0"/>
-              <a:t>. In </a:t>
-            </a:r>
-            <a:r>
-              <a:rPr lang="it-IT" dirty="0" err="1" smtClean="0"/>
-              <a:t>robotics</a:t>
-            </a:r>
-            <a:r>
-              <a:rPr lang="it-IT" dirty="0" smtClean="0"/>
-              <a:t>, </a:t>
-            </a:r>
-            <a:r>
-              <a:rPr lang="it-IT" dirty="0" err="1" smtClean="0"/>
-              <a:t>there</a:t>
-            </a:r>
-            <a:r>
-              <a:rPr lang="it-IT" dirty="0" smtClean="0"/>
-              <a:t> are multiple ways to solve a </a:t>
-            </a:r>
-            <a:r>
-              <a:rPr lang="it-IT" dirty="0" err="1" smtClean="0"/>
-              <a:t>problem</a:t>
-            </a:r>
-            <a:r>
-              <a:rPr lang="it-IT" dirty="0"/>
-              <a:t> </a:t>
-            </a:r>
-            <a:r>
-              <a:rPr lang="it-IT" dirty="0" smtClean="0"/>
-              <a:t>and </a:t>
-            </a:r>
-            <a:r>
-              <a:rPr lang="it-IT" dirty="0" err="1" smtClean="0"/>
-              <a:t>there</a:t>
-            </a:r>
-            <a:r>
-              <a:rPr lang="it-IT" dirty="0" smtClean="0"/>
-              <a:t> </a:t>
-            </a:r>
-            <a:r>
-              <a:rPr lang="it-IT" dirty="0" err="1" smtClean="0"/>
-              <a:t>might</a:t>
-            </a:r>
-            <a:r>
-              <a:rPr lang="it-IT" dirty="0" smtClean="0"/>
-              <a:t> be </a:t>
-            </a:r>
-            <a:r>
-              <a:rPr lang="it-IT" dirty="0" err="1" smtClean="0"/>
-              <a:t>tradeoffs</a:t>
-            </a:r>
-            <a:r>
-              <a:rPr lang="it-IT" dirty="0" smtClean="0"/>
-              <a:t> </a:t>
-            </a:r>
-            <a:r>
-              <a:rPr lang="it-IT" dirty="0" err="1" smtClean="0"/>
-              <a:t>between</a:t>
-            </a:r>
-            <a:r>
-              <a:rPr lang="it-IT" dirty="0" smtClean="0"/>
-              <a:t> the </a:t>
-            </a:r>
-            <a:r>
-              <a:rPr lang="it-IT" dirty="0" err="1" smtClean="0"/>
-              <a:t>solutions</a:t>
-            </a:r>
-            <a:r>
-              <a:rPr lang="it-IT" dirty="0" smtClean="0"/>
-              <a:t> (e.g. </a:t>
-            </a:r>
-            <a:r>
-              <a:rPr lang="it-IT" dirty="0" err="1" smtClean="0"/>
-              <a:t>how</a:t>
-            </a:r>
-            <a:r>
-              <a:rPr lang="it-IT" dirty="0" smtClean="0"/>
-              <a:t> long the code </a:t>
-            </a:r>
-            <a:r>
-              <a:rPr lang="it-IT" dirty="0" err="1" smtClean="0"/>
-              <a:t>takes</a:t>
-            </a:r>
-            <a:r>
-              <a:rPr lang="it-IT" dirty="0" smtClean="0"/>
-              <a:t> to </a:t>
-            </a:r>
-            <a:r>
-              <a:rPr lang="it-IT" dirty="0" err="1" smtClean="0"/>
-              <a:t>run</a:t>
-            </a:r>
-            <a:r>
-              <a:rPr lang="it-IT" dirty="0" smtClean="0"/>
-              <a:t> the code, can </a:t>
-            </a:r>
-            <a:r>
-              <a:rPr lang="it-IT" dirty="0" err="1" smtClean="0"/>
-              <a:t>you</a:t>
-            </a:r>
-            <a:r>
-              <a:rPr lang="it-IT" dirty="0" smtClean="0"/>
-              <a:t> use </a:t>
-            </a:r>
-            <a:r>
-              <a:rPr lang="it-IT" dirty="0" err="1" smtClean="0"/>
-              <a:t>both</a:t>
-            </a:r>
-            <a:r>
-              <a:rPr lang="it-IT" dirty="0" smtClean="0"/>
-              <a:t> rate and angle </a:t>
-            </a:r>
-            <a:r>
-              <a:rPr lang="it-IT" dirty="0" err="1" smtClean="0"/>
-              <a:t>readings</a:t>
-            </a:r>
-            <a:r>
-              <a:rPr lang="it-IT" dirty="0" smtClean="0"/>
-              <a:t>?)</a:t>
-            </a:r>
+        </p:txBody>
+      </p:sp>
+      <p:sp>
+        <p:nvSpPr>
+          <p:cNvPr id="3" name="Date Placeholder 2"/>
+          <p:cNvSpPr>
+            <a:spLocks noGrp="1"/>
+          </p:cNvSpPr>
+          <p:nvPr>
+            <p:ph type="dt" sz="half" idx="10"/>
+          </p:nvPr>
+        </p:nvSpPr>
+        <p:spPr/>
+        <p:txBody>
+          <a:bodyPr/>
+          <a:lstStyle/>
+          <a:p>
+            <a:fld id="{F9D1C0A9-2B1B-9943-A35C-2A04CA207E70}" type="datetime1">
+              <a:rPr lang="en-US" smtClean="0"/>
+              <a:t>8/6/17</a:t>
+            </a:fld>
+            <a:endParaRPr lang="en-US"/>
+          </a:p>
+        </p:txBody>
+      </p:sp>
+      <p:sp>
+        <p:nvSpPr>
+          <p:cNvPr id="5" name="Slide Number Placeholder 4"/>
+          <p:cNvSpPr>
+            <a:spLocks noGrp="1"/>
+          </p:cNvSpPr>
+          <p:nvPr>
+            <p:ph type="sldNum" sz="quarter" idx="12"/>
+          </p:nvPr>
+        </p:nvSpPr>
+        <p:spPr/>
+        <p:txBody>
+          <a:bodyPr/>
+          <a:lstStyle/>
+          <a:p>
+            <a:fld id="{4382A7F7-08BF-4252-8141-63FB96055BBB}" type="slidenum">
+              <a:rPr lang="en-US" smtClean="0"/>
+              <a:t>12</a:t>
+            </a:fld>
+            <a:endParaRPr lang="en-US"/>
           </a:p>
         </p:txBody>
       </p:sp>
@@ -7061,7 +7335,7 @@
           <a:p>
             <a:r>
               <a:rPr lang="sk-SK" smtClean="0"/>
-              <a:t>© 2016 EV3Lessons.com, Last edit 7/19/2016</a:t>
+              <a:t>© 2016 EV3Lessons.com</a:t>
             </a:r>
             <a:endParaRPr lang="en-US"/>
           </a:p>
@@ -7115,7 +7389,7 @@
           <a:effectLst/>
           <a:extLst>
             <a:ext uri="{91240B29-F687-4f45-9708-019B960494DF}">
-              <a14:hiddenLine xmlns="" xmlns:a14="http://schemas.microsoft.com/office/drawing/2010/main" w="9525">
+              <a14:hiddenLine xmlns:a14="http://schemas.microsoft.com/office/drawing/2010/main" xmlns="" w="9525">
                 <a:solidFill>
                   <a:schemeClr val="tx1"/>
                 </a:solidFill>
@@ -7125,7 +7399,7 @@
               </a14:hiddenLine>
             </a:ext>
             <a:ext uri="{AF507438-7753-43e0-B8FC-AC1667EBCBE1}">
-              <a14:hiddenEffects xmlns="" xmlns:a14="http://schemas.microsoft.com/office/drawing/2010/main">
+              <a14:hiddenEffects xmlns:a14="http://schemas.microsoft.com/office/drawing/2010/main" xmlns="">
                 <a:effectLst>
                   <a:outerShdw dist="35921" dir="2700000" algn="ctr" rotWithShape="0">
                     <a:schemeClr val="bg2"/>
@@ -7478,7 +7752,7 @@
           <a:noFill/>
           <a:extLst>
             <a:ext uri="{909E8E84-426E-40dd-AFC4-6F175D3DCCD1}">
-              <a14:hiddenFill xmlns="" xmlns:a14="http://schemas.microsoft.com/office/drawing/2010/main">
+              <a14:hiddenFill xmlns:a14="http://schemas.microsoft.com/office/drawing/2010/main" xmlns="">
                 <a:solidFill>
                   <a:srgbClr val="FFFFFF"/>
                 </a:solidFill>
@@ -7487,6 +7761,52 @@
           </a:extLst>
         </p:spPr>
       </p:pic>
+      <p:sp>
+        <p:nvSpPr>
+          <p:cNvPr id="7" name="Date Placeholder 6"/>
+          <p:cNvSpPr>
+            <a:spLocks noGrp="1"/>
+          </p:cNvSpPr>
+          <p:nvPr>
+            <p:ph type="dt" sz="half" idx="10"/>
+          </p:nvPr>
+        </p:nvSpPr>
+        <p:spPr/>
+        <p:txBody>
+          <a:bodyPr/>
+          <a:lstStyle/>
+          <a:p>
+            <a:fld id="{CD848738-2DDE-9B42-91A4-B9D48A936005}" type="datetime1">
+              <a:rPr lang="en-US" smtClean="0"/>
+              <a:t>8/6/17</a:t>
+            </a:fld>
+            <a:endParaRPr lang="en-US"/>
+          </a:p>
+        </p:txBody>
+      </p:sp>
+      <p:sp>
+        <p:nvSpPr>
+          <p:cNvPr id="8" name="Slide Number Placeholder 7"/>
+          <p:cNvSpPr>
+            <a:spLocks noGrp="1"/>
+          </p:cNvSpPr>
+          <p:nvPr>
+            <p:ph type="sldNum" sz="quarter" idx="12"/>
+          </p:nvPr>
+        </p:nvSpPr>
+        <p:spPr/>
+        <p:txBody>
+          <a:bodyPr/>
+          <a:lstStyle/>
+          <a:p>
+            <a:fld id="{4382A7F7-08BF-4252-8141-63FB96055BBB}" type="slidenum">
+              <a:rPr lang="en-US" smtClean="0"/>
+              <a:t>13</a:t>
+            </a:fld>
+            <a:endParaRPr lang="en-US"/>
+          </a:p>
+        </p:txBody>
+      </p:sp>
     </p:spTree>
     <p:extLst>
       <p:ext uri="{BB962C8B-B14F-4D97-AF65-F5344CB8AC3E}">
@@ -7545,7 +7865,7 @@
         <p:spPr/>
         <p:txBody>
           <a:bodyPr>
-            <a:normAutofit fontScale="92500"/>
+            <a:normAutofit fontScale="85000" lnSpcReduction="10000"/>
           </a:bodyPr>
           <a:lstStyle/>
           <a:p>
@@ -7603,13 +7923,229 @@
               <a:buNone/>
             </a:pPr>
             <a:r>
-              <a:rPr lang="en-US" smtClean="0"/>
-              <a:t>Prerequisites</a:t>
-            </a:r>
-            <a:r>
               <a:rPr lang="en-US" dirty="0" smtClean="0"/>
-              <a:t>: Data wires, Loops, Logic &amp; Comparison Blocks</a:t>
-            </a:r>
+              <a:t>Prerequisites: Data wires, Loops, Logic &amp; Comparison </a:t>
+            </a:r>
+            <a:r>
+              <a:rPr lang="en-US" dirty="0" smtClean="0"/>
+              <a:t>Blocks</a:t>
+            </a:r>
+          </a:p>
+          <a:p>
+            <a:pPr marL="0" lvl="1" indent="0">
+              <a:spcBef>
+                <a:spcPts val="2000"/>
+              </a:spcBef>
+              <a:buClr>
+                <a:schemeClr val="bg1">
+                  <a:lumMod val="65000"/>
+                </a:schemeClr>
+              </a:buClr>
+              <a:buNone/>
+            </a:pPr>
+            <a:r>
+              <a:rPr lang="it-IT" sz="2600" b="1" i="1" dirty="0">
+                <a:solidFill>
+                  <a:srgbClr val="FF0000"/>
+                </a:solidFill>
+              </a:rPr>
+              <a:t>Update: </a:t>
+            </a:r>
+            <a:r>
+              <a:rPr lang="it-IT" sz="2600" b="1" i="1" dirty="0" err="1">
+                <a:solidFill>
+                  <a:srgbClr val="FF0000"/>
+                </a:solidFill>
+              </a:rPr>
+              <a:t>Please</a:t>
+            </a:r>
+            <a:r>
+              <a:rPr lang="it-IT" sz="2600" b="1" i="1" dirty="0">
+                <a:solidFill>
+                  <a:srgbClr val="FF0000"/>
+                </a:solidFill>
+              </a:rPr>
+              <a:t> </a:t>
+            </a:r>
+            <a:r>
+              <a:rPr lang="it-IT" sz="2600" b="1" i="1" dirty="0" err="1">
+                <a:solidFill>
+                  <a:srgbClr val="FF0000"/>
+                </a:solidFill>
+              </a:rPr>
+              <a:t>read</a:t>
+            </a:r>
+            <a:r>
+              <a:rPr lang="it-IT" sz="2600" b="1" i="1" dirty="0">
+                <a:solidFill>
+                  <a:srgbClr val="FF0000"/>
+                </a:solidFill>
+              </a:rPr>
+              <a:t> the “</a:t>
+            </a:r>
+            <a:r>
+              <a:rPr lang="it-IT" sz="2600" b="1" i="1" dirty="0" err="1">
+                <a:solidFill>
+                  <a:srgbClr val="FF0000"/>
+                </a:solidFill>
+              </a:rPr>
+              <a:t>Gyro</a:t>
+            </a:r>
+            <a:r>
+              <a:rPr lang="it-IT" sz="2600" b="1" i="1" dirty="0">
+                <a:solidFill>
+                  <a:srgbClr val="FF0000"/>
+                </a:solidFill>
+              </a:rPr>
+              <a:t> Sensor </a:t>
+            </a:r>
+            <a:r>
+              <a:rPr lang="it-IT" sz="2600" b="1" i="1" dirty="0" err="1">
+                <a:solidFill>
+                  <a:srgbClr val="FF0000"/>
+                </a:solidFill>
+              </a:rPr>
+              <a:t>Revisited</a:t>
+            </a:r>
+            <a:r>
+              <a:rPr lang="it-IT" sz="2600" b="1" i="1" dirty="0">
+                <a:solidFill>
+                  <a:srgbClr val="FF0000"/>
+                </a:solidFill>
+              </a:rPr>
+              <a:t>” </a:t>
+            </a:r>
+            <a:r>
+              <a:rPr lang="it-IT" sz="2600" b="1" i="1" dirty="0" err="1">
+                <a:solidFill>
+                  <a:srgbClr val="FF0000"/>
+                </a:solidFill>
+              </a:rPr>
+              <a:t>lesson</a:t>
+            </a:r>
+            <a:r>
+              <a:rPr lang="it-IT" sz="2600" b="1" i="1" dirty="0">
+                <a:solidFill>
+                  <a:srgbClr val="FF0000"/>
+                </a:solidFill>
+              </a:rPr>
+              <a:t> for </a:t>
+            </a:r>
+            <a:r>
+              <a:rPr lang="it-IT" sz="2600" b="1" i="1" dirty="0" err="1">
+                <a:solidFill>
+                  <a:srgbClr val="FF0000"/>
+                </a:solidFill>
+              </a:rPr>
+              <a:t>important</a:t>
+            </a:r>
+            <a:r>
+              <a:rPr lang="it-IT" sz="2600" b="1" i="1" dirty="0">
+                <a:solidFill>
+                  <a:srgbClr val="FF0000"/>
+                </a:solidFill>
+              </a:rPr>
+              <a:t> </a:t>
+            </a:r>
+            <a:r>
+              <a:rPr lang="it-IT" sz="2600" b="1" i="1" dirty="0" err="1">
+                <a:solidFill>
+                  <a:srgbClr val="FF0000"/>
+                </a:solidFill>
+              </a:rPr>
+              <a:t>updates</a:t>
+            </a:r>
+            <a:r>
+              <a:rPr lang="it-IT" sz="2600" b="1" i="1" dirty="0">
+                <a:solidFill>
+                  <a:srgbClr val="FF0000"/>
+                </a:solidFill>
+              </a:rPr>
+              <a:t> (8/6/2017</a:t>
+            </a:r>
+            <a:r>
+              <a:rPr lang="it-IT" sz="2600" b="1" i="1" dirty="0" smtClean="0">
+                <a:solidFill>
+                  <a:srgbClr val="FF0000"/>
+                </a:solidFill>
+              </a:rPr>
+              <a:t>) </a:t>
+            </a:r>
+            <a:r>
+              <a:rPr lang="it-IT" sz="2600" b="1" i="1" dirty="0" err="1" smtClean="0">
+                <a:solidFill>
+                  <a:srgbClr val="FF0000"/>
+                </a:solidFill>
+              </a:rPr>
+              <a:t>after</a:t>
+            </a:r>
+            <a:r>
+              <a:rPr lang="it-IT" sz="2600" b="1" i="1" dirty="0" smtClean="0">
+                <a:solidFill>
+                  <a:srgbClr val="FF0000"/>
+                </a:solidFill>
+              </a:rPr>
+              <a:t> </a:t>
+            </a:r>
+            <a:r>
+              <a:rPr lang="it-IT" sz="2600" b="1" i="1" dirty="0" err="1" smtClean="0">
+                <a:solidFill>
+                  <a:srgbClr val="FF0000"/>
+                </a:solidFill>
+              </a:rPr>
+              <a:t>you</a:t>
+            </a:r>
+            <a:r>
+              <a:rPr lang="it-IT" sz="2600" b="1" i="1" dirty="0" smtClean="0">
+                <a:solidFill>
+                  <a:srgbClr val="FF0000"/>
+                </a:solidFill>
+              </a:rPr>
+              <a:t> complete </a:t>
+            </a:r>
+            <a:r>
+              <a:rPr lang="it-IT" sz="2600" b="1" i="1" dirty="0" err="1" smtClean="0">
+                <a:solidFill>
+                  <a:srgbClr val="FF0000"/>
+                </a:solidFill>
+              </a:rPr>
+              <a:t>this</a:t>
+            </a:r>
+            <a:r>
+              <a:rPr lang="it-IT" sz="2600" b="1" i="1" dirty="0" smtClean="0">
+                <a:solidFill>
+                  <a:srgbClr val="FF0000"/>
+                </a:solidFill>
+              </a:rPr>
+              <a:t> </a:t>
+            </a:r>
+            <a:r>
+              <a:rPr lang="it-IT" sz="2600" b="1" i="1" dirty="0" err="1" smtClean="0">
+                <a:solidFill>
+                  <a:srgbClr val="FF0000"/>
+                </a:solidFill>
+              </a:rPr>
+              <a:t>lesson</a:t>
+            </a:r>
+            <a:r>
+              <a:rPr lang="it-IT" sz="2600" b="1" i="1" smtClean="0">
+                <a:solidFill>
+                  <a:srgbClr val="FF0000"/>
+                </a:solidFill>
+              </a:rPr>
+              <a:t>.</a:t>
+            </a:r>
+            <a:endParaRPr lang="it-IT" sz="2600" b="1" i="1">
+              <a:solidFill>
+                <a:srgbClr val="FF0000"/>
+              </a:solidFill>
+            </a:endParaRPr>
+          </a:p>
+          <a:p>
+            <a:pPr marL="0" indent="0">
+              <a:buNone/>
+            </a:pPr>
+            <a:endParaRPr lang="en-US" dirty="0" smtClean="0"/>
           </a:p>
         </p:txBody>
       </p:sp>
@@ -7630,7 +8166,7 @@
           <a:p>
             <a:r>
               <a:rPr lang="sk-SK" smtClean="0"/>
-              <a:t>© 2016 EV3Lessons.com, Last edit 7/19/2016</a:t>
+              <a:t>© 2016 EV3Lessons.com</a:t>
             </a:r>
             <a:endParaRPr lang="en-US"/>
           </a:p>
@@ -7656,6 +8192,52 @@
               <a:t>Lesson Objectives</a:t>
             </a:r>
             <a:endParaRPr lang="en-US" dirty="0"/>
+          </a:p>
+        </p:txBody>
+      </p:sp>
+      <p:sp>
+        <p:nvSpPr>
+          <p:cNvPr id="3" name="Date Placeholder 2"/>
+          <p:cNvSpPr>
+            <a:spLocks noGrp="1"/>
+          </p:cNvSpPr>
+          <p:nvPr>
+            <p:ph type="dt" sz="half" idx="10"/>
+          </p:nvPr>
+        </p:nvSpPr>
+        <p:spPr/>
+        <p:txBody>
+          <a:bodyPr/>
+          <a:lstStyle/>
+          <a:p>
+            <a:fld id="{504049EF-DCAF-B14F-ACA0-1EE592A878A0}" type="datetime1">
+              <a:rPr lang="en-US" smtClean="0"/>
+              <a:t>8/6/17</a:t>
+            </a:fld>
+            <a:endParaRPr lang="en-US"/>
+          </a:p>
+        </p:txBody>
+      </p:sp>
+      <p:sp>
+        <p:nvSpPr>
+          <p:cNvPr id="4" name="Slide Number Placeholder 3"/>
+          <p:cNvSpPr>
+            <a:spLocks noGrp="1"/>
+          </p:cNvSpPr>
+          <p:nvPr>
+            <p:ph type="sldNum" sz="quarter" idx="12"/>
+          </p:nvPr>
+        </p:nvSpPr>
+        <p:spPr/>
+        <p:txBody>
+          <a:bodyPr/>
+          <a:lstStyle/>
+          <a:p>
+            <a:fld id="{4382A7F7-08BF-4252-8141-63FB96055BBB}" type="slidenum">
+              <a:rPr lang="en-US" smtClean="0"/>
+              <a:t>2</a:t>
+            </a:fld>
+            <a:endParaRPr lang="en-US"/>
           </a:p>
         </p:txBody>
       </p:sp>
@@ -7750,7 +8332,7 @@
           <a:p>
             <a:r>
               <a:rPr lang="sk-SK" smtClean="0"/>
-              <a:t>© 2016 EV3Lessons.com, Last edit 7/19/2016</a:t>
+              <a:t>© 2016 EV3Lessons.com</a:t>
             </a:r>
             <a:endParaRPr lang="en-US"/>
           </a:p>
@@ -7776,6 +8358,52 @@
               <a:t>What is the Gyro Sensor?</a:t>
             </a:r>
             <a:endParaRPr lang="en-US" dirty="0"/>
+          </a:p>
+        </p:txBody>
+      </p:sp>
+      <p:sp>
+        <p:nvSpPr>
+          <p:cNvPr id="3" name="Date Placeholder 2"/>
+          <p:cNvSpPr>
+            <a:spLocks noGrp="1"/>
+          </p:cNvSpPr>
+          <p:nvPr>
+            <p:ph type="dt" sz="half" idx="10"/>
+          </p:nvPr>
+        </p:nvSpPr>
+        <p:spPr/>
+        <p:txBody>
+          <a:bodyPr/>
+          <a:lstStyle/>
+          <a:p>
+            <a:fld id="{7CAD3490-3091-EB47-9335-B171F325E32C}" type="datetime1">
+              <a:rPr lang="en-US" smtClean="0"/>
+              <a:t>8/6/17</a:t>
+            </a:fld>
+            <a:endParaRPr lang="en-US"/>
+          </a:p>
+        </p:txBody>
+      </p:sp>
+      <p:sp>
+        <p:nvSpPr>
+          <p:cNvPr id="4" name="Slide Number Placeholder 3"/>
+          <p:cNvSpPr>
+            <a:spLocks noGrp="1"/>
+          </p:cNvSpPr>
+          <p:nvPr>
+            <p:ph type="sldNum" sz="quarter" idx="12"/>
+          </p:nvPr>
+        </p:nvSpPr>
+        <p:spPr/>
+        <p:txBody>
+          <a:bodyPr/>
+          <a:lstStyle/>
+          <a:p>
+            <a:fld id="{4382A7F7-08BF-4252-8141-63FB96055BBB}" type="slidenum">
+              <a:rPr lang="en-US" smtClean="0"/>
+              <a:t>3</a:t>
+            </a:fld>
+            <a:endParaRPr lang="en-US"/>
           </a:p>
         </p:txBody>
       </p:sp>
@@ -7907,7 +8535,7 @@
           <a:p>
             <a:r>
               <a:rPr lang="sk-SK" smtClean="0"/>
-              <a:t>© 2016 EV3Lessons.com, Last edit 7/19/2016</a:t>
+              <a:t>© 2016 EV3Lessons.com</a:t>
             </a:r>
             <a:endParaRPr lang="en-US" dirty="0"/>
           </a:p>
@@ -7933,6 +8561,52 @@
               <a:t>Gyro Sensor Problems</a:t>
             </a:r>
             <a:endParaRPr lang="en-US" dirty="0"/>
+          </a:p>
+        </p:txBody>
+      </p:sp>
+      <p:sp>
+        <p:nvSpPr>
+          <p:cNvPr id="5" name="Date Placeholder 4"/>
+          <p:cNvSpPr>
+            <a:spLocks noGrp="1"/>
+          </p:cNvSpPr>
+          <p:nvPr>
+            <p:ph type="dt" sz="half" idx="10"/>
+          </p:nvPr>
+        </p:nvSpPr>
+        <p:spPr/>
+        <p:txBody>
+          <a:bodyPr/>
+          <a:lstStyle/>
+          <a:p>
+            <a:fld id="{39D0E7D0-5543-9F4E-93A0-E7A4BCDF0F3E}" type="datetime1">
+              <a:rPr lang="en-US" smtClean="0"/>
+              <a:t>8/6/17</a:t>
+            </a:fld>
+            <a:endParaRPr lang="en-US"/>
+          </a:p>
+        </p:txBody>
+      </p:sp>
+      <p:sp>
+        <p:nvSpPr>
+          <p:cNvPr id="6" name="Slide Number Placeholder 5"/>
+          <p:cNvSpPr>
+            <a:spLocks noGrp="1"/>
+          </p:cNvSpPr>
+          <p:nvPr>
+            <p:ph type="sldNum" sz="quarter" idx="12"/>
+          </p:nvPr>
+        </p:nvSpPr>
+        <p:spPr/>
+        <p:txBody>
+          <a:bodyPr/>
+          <a:lstStyle/>
+          <a:p>
+            <a:fld id="{4382A7F7-08BF-4252-8141-63FB96055BBB}" type="slidenum">
+              <a:rPr lang="en-US" smtClean="0"/>
+              <a:t>4</a:t>
+            </a:fld>
+            <a:endParaRPr lang="en-US"/>
           </a:p>
         </p:txBody>
       </p:sp>
@@ -8044,7 +8718,7 @@
           <a:p>
             <a:r>
               <a:rPr lang="sk-SK" smtClean="0"/>
-              <a:t>© 2016 EV3Lessons.com, Last edit 7/19/2016</a:t>
+              <a:t>© 2016 EV3Lessons.com</a:t>
             </a:r>
             <a:endParaRPr lang="en-US"/>
           </a:p>
@@ -8072,6 +8746,52 @@
               <a:t>Gyro Calibration to Solve Problem 1: Lag</a:t>
             </a:r>
             <a:endParaRPr lang="en-US" dirty="0"/>
+          </a:p>
+        </p:txBody>
+      </p:sp>
+      <p:sp>
+        <p:nvSpPr>
+          <p:cNvPr id="5" name="Date Placeholder 4"/>
+          <p:cNvSpPr>
+            <a:spLocks noGrp="1"/>
+          </p:cNvSpPr>
+          <p:nvPr>
+            <p:ph type="dt" sz="half" idx="10"/>
+          </p:nvPr>
+        </p:nvSpPr>
+        <p:spPr/>
+        <p:txBody>
+          <a:bodyPr/>
+          <a:lstStyle/>
+          <a:p>
+            <a:fld id="{AC895C39-8ECF-0843-A8DF-609EDBCEAE0B}" type="datetime1">
+              <a:rPr lang="en-US" smtClean="0"/>
+              <a:t>8/6/17</a:t>
+            </a:fld>
+            <a:endParaRPr lang="en-US"/>
+          </a:p>
+        </p:txBody>
+      </p:sp>
+      <p:sp>
+        <p:nvSpPr>
+          <p:cNvPr id="6" name="Slide Number Placeholder 5"/>
+          <p:cNvSpPr>
+            <a:spLocks noGrp="1"/>
+          </p:cNvSpPr>
+          <p:nvPr>
+            <p:ph type="sldNum" sz="quarter" idx="12"/>
+          </p:nvPr>
+        </p:nvSpPr>
+        <p:spPr/>
+        <p:txBody>
+          <a:bodyPr/>
+          <a:lstStyle/>
+          <a:p>
+            <a:fld id="{4382A7F7-08BF-4252-8141-63FB96055BBB}" type="slidenum">
+              <a:rPr lang="en-US" smtClean="0"/>
+              <a:t>5</a:t>
+            </a:fld>
+            <a:endParaRPr lang="en-US"/>
           </a:p>
         </p:txBody>
       </p:sp>
@@ -8186,7 +8906,7 @@
           <a:p>
             <a:r>
               <a:rPr lang="sk-SK" smtClean="0"/>
-              <a:t>© 2016 EV3Lessons.com, Last edit 7/19/2016</a:t>
+              <a:t>© 2016 EV3Lessons.com</a:t>
             </a:r>
             <a:endParaRPr lang="en-US"/>
           </a:p>
@@ -8212,6 +8932,52 @@
               <a:t>IMPORTANT NOTES</a:t>
             </a:r>
             <a:endParaRPr lang="en-US" dirty="0"/>
+          </a:p>
+        </p:txBody>
+      </p:sp>
+      <p:sp>
+        <p:nvSpPr>
+          <p:cNvPr id="5" name="Date Placeholder 4"/>
+          <p:cNvSpPr>
+            <a:spLocks noGrp="1"/>
+          </p:cNvSpPr>
+          <p:nvPr>
+            <p:ph type="dt" sz="half" idx="10"/>
+          </p:nvPr>
+        </p:nvSpPr>
+        <p:spPr/>
+        <p:txBody>
+          <a:bodyPr/>
+          <a:lstStyle/>
+          <a:p>
+            <a:fld id="{3653A55C-FE01-F548-B391-70A4C4A8BBBD}" type="datetime1">
+              <a:rPr lang="en-US" smtClean="0"/>
+              <a:t>8/6/17</a:t>
+            </a:fld>
+            <a:endParaRPr lang="en-US"/>
+          </a:p>
+        </p:txBody>
+      </p:sp>
+      <p:sp>
+        <p:nvSpPr>
+          <p:cNvPr id="6" name="Slide Number Placeholder 5"/>
+          <p:cNvSpPr>
+            <a:spLocks noGrp="1"/>
+          </p:cNvSpPr>
+          <p:nvPr>
+            <p:ph type="sldNum" sz="quarter" idx="12"/>
+          </p:nvPr>
+        </p:nvSpPr>
+        <p:spPr/>
+        <p:txBody>
+          <a:bodyPr/>
+          <a:lstStyle/>
+          <a:p>
+            <a:fld id="{4382A7F7-08BF-4252-8141-63FB96055BBB}" type="slidenum">
+              <a:rPr lang="en-US" smtClean="0"/>
+              <a:t>6</a:t>
+            </a:fld>
+            <a:endParaRPr lang="en-US"/>
           </a:p>
         </p:txBody>
       </p:sp>
@@ -8262,7 +9028,7 @@
           <a:p>
             <a:r>
               <a:rPr lang="sk-SK" smtClean="0"/>
-              <a:t>© 2016 EV3Lessons.com, Last edit 7/19/2016</a:t>
+              <a:t>© 2016 EV3Lessons.com</a:t>
             </a:r>
             <a:endParaRPr lang="en-US"/>
           </a:p>
@@ -8449,6 +9215,52 @@
           </a:prstGeom>
         </p:spPr>
       </p:pic>
+      <p:sp>
+        <p:nvSpPr>
+          <p:cNvPr id="3" name="Date Placeholder 2"/>
+          <p:cNvSpPr>
+            <a:spLocks noGrp="1"/>
+          </p:cNvSpPr>
+          <p:nvPr>
+            <p:ph type="dt" sz="half" idx="10"/>
+          </p:nvPr>
+        </p:nvSpPr>
+        <p:spPr/>
+        <p:txBody>
+          <a:bodyPr/>
+          <a:lstStyle/>
+          <a:p>
+            <a:fld id="{C70C6FD9-D304-D74F-9512-2875B01280D3}" type="datetime1">
+              <a:rPr lang="en-US" smtClean="0"/>
+              <a:t>8/6/17</a:t>
+            </a:fld>
+            <a:endParaRPr lang="en-US"/>
+          </a:p>
+        </p:txBody>
+      </p:sp>
+      <p:sp>
+        <p:nvSpPr>
+          <p:cNvPr id="5" name="Slide Number Placeholder 4"/>
+          <p:cNvSpPr>
+            <a:spLocks noGrp="1"/>
+          </p:cNvSpPr>
+          <p:nvPr>
+            <p:ph type="sldNum" sz="quarter" idx="12"/>
+          </p:nvPr>
+        </p:nvSpPr>
+        <p:spPr/>
+        <p:txBody>
+          <a:bodyPr/>
+          <a:lstStyle/>
+          <a:p>
+            <a:fld id="{4382A7F7-08BF-4252-8141-63FB96055BBB}" type="slidenum">
+              <a:rPr lang="en-US" smtClean="0"/>
+              <a:t>7</a:t>
+            </a:fld>
+            <a:endParaRPr lang="en-US"/>
+          </a:p>
+        </p:txBody>
+      </p:sp>
     </p:spTree>
     <p:extLst>
       <p:ext uri="{BB962C8B-B14F-4D97-AF65-F5344CB8AC3E}">
@@ -8496,7 +9308,7 @@
           <a:p>
             <a:r>
               <a:rPr lang="sk-SK" smtClean="0"/>
-              <a:t>© 2016 EV3Lessons.com, Last edit 7/19/2016</a:t>
+              <a:t>© 2016 EV3Lessons.com</a:t>
             </a:r>
             <a:endParaRPr lang="en-US"/>
           </a:p>
@@ -8691,6 +9503,52 @@
               </a:rPr>
               <a:t>Note that in the rest of your program, you should only use the “rate + angle” modes of the gyro. Using the "angle" or “rate” mode will cause the gyro to recalibrate. Also, ***DO NOT*** use the gyro reset - this forces the gyro into angle mode which will cause a long 3 second recalibration.</a:t>
             </a:r>
+          </a:p>
+        </p:txBody>
+      </p:sp>
+      <p:sp>
+        <p:nvSpPr>
+          <p:cNvPr id="3" name="Date Placeholder 2"/>
+          <p:cNvSpPr>
+            <a:spLocks noGrp="1"/>
+          </p:cNvSpPr>
+          <p:nvPr>
+            <p:ph type="dt" sz="half" idx="10"/>
+          </p:nvPr>
+        </p:nvSpPr>
+        <p:spPr/>
+        <p:txBody>
+          <a:bodyPr/>
+          <a:lstStyle/>
+          <a:p>
+            <a:fld id="{3BFCB8D7-3BA4-784B-89B8-D4F821C20023}" type="datetime1">
+              <a:rPr lang="en-US" smtClean="0"/>
+              <a:t>8/6/17</a:t>
+            </a:fld>
+            <a:endParaRPr lang="en-US"/>
+          </a:p>
+        </p:txBody>
+      </p:sp>
+      <p:sp>
+        <p:nvSpPr>
+          <p:cNvPr id="5" name="Slide Number Placeholder 4"/>
+          <p:cNvSpPr>
+            <a:spLocks noGrp="1"/>
+          </p:cNvSpPr>
+          <p:nvPr>
+            <p:ph type="sldNum" sz="quarter" idx="12"/>
+          </p:nvPr>
+        </p:nvSpPr>
+        <p:spPr/>
+        <p:txBody>
+          <a:bodyPr/>
+          <a:lstStyle/>
+          <a:p>
+            <a:fld id="{4382A7F7-08BF-4252-8141-63FB96055BBB}" type="slidenum">
+              <a:rPr lang="en-US" smtClean="0"/>
+              <a:t>8</a:t>
+            </a:fld>
+            <a:endParaRPr lang="en-US"/>
           </a:p>
         </p:txBody>
       </p:sp>
@@ -9158,7 +10016,7 @@
           <a:p>
             <a:r>
               <a:rPr lang="sk-SK" smtClean="0"/>
-              <a:t>© 2016 EV3Lessons.com, Last edit 7/19/2016</a:t>
+              <a:t>© 2016 EV3Lessons.com</a:t>
             </a:r>
             <a:endParaRPr lang="en-US"/>
           </a:p>
@@ -9190,6 +10048,52 @@
               <a:t>Pseudocode</a:t>
             </a:r>
             <a:endParaRPr lang="en-US" dirty="0"/>
+          </a:p>
+        </p:txBody>
+      </p:sp>
+      <p:sp>
+        <p:nvSpPr>
+          <p:cNvPr id="3" name="Date Placeholder 2"/>
+          <p:cNvSpPr>
+            <a:spLocks noGrp="1"/>
+          </p:cNvSpPr>
+          <p:nvPr>
+            <p:ph type="dt" sz="half" idx="10"/>
+          </p:nvPr>
+        </p:nvSpPr>
+        <p:spPr/>
+        <p:txBody>
+          <a:bodyPr/>
+          <a:lstStyle/>
+          <a:p>
+            <a:fld id="{9C72BE0A-9816-CC47-B76D-60C66374C0D1}" type="datetime1">
+              <a:rPr lang="en-US" smtClean="0"/>
+              <a:t>8/6/17</a:t>
+            </a:fld>
+            <a:endParaRPr lang="en-US"/>
+          </a:p>
+        </p:txBody>
+      </p:sp>
+      <p:sp>
+        <p:nvSpPr>
+          <p:cNvPr id="5" name="Slide Number Placeholder 4"/>
+          <p:cNvSpPr>
+            <a:spLocks noGrp="1"/>
+          </p:cNvSpPr>
+          <p:nvPr>
+            <p:ph type="sldNum" sz="quarter" idx="12"/>
+          </p:nvPr>
+        </p:nvSpPr>
+        <p:spPr/>
+        <p:txBody>
+          <a:bodyPr/>
+          <a:lstStyle/>
+          <a:p>
+            <a:fld id="{4382A7F7-08BF-4252-8141-63FB96055BBB}" type="slidenum">
+              <a:rPr lang="en-US" smtClean="0"/>
+              <a:t>9</a:t>
+            </a:fld>
+            <a:endParaRPr lang="en-US"/>
           </a:p>
         </p:txBody>
       </p:sp>
